--- a/Network-Security/Module_2 Cryptography/Lesson_2_Crypto_Symmetric.pptx
+++ b/Network-Security/Module_2 Cryptography/Lesson_2_Crypto_Symmetric.pptx
@@ -313,7 +313,7 @@
               <a:pPr>
                 <a:defRPr/>
               </a:pPr>
-              <a:t>4/1/2018</a:t>
+              <a:t>4/3/2018</a:t>
             </a:fld>
             <a:endParaRPr lang="en-US"/>
           </a:p>
@@ -5096,8 +5096,8 @@
           <a:lstStyle/>
           <a:p>
             <a:r>
-              <a:rPr lang="en-US" altLang="en-US"/>
-              <a:t>Implementing S-P Networks</a:t>
+              <a:rPr lang="en-US" altLang="en-US" dirty="0"/>
+              <a:t>Implementing S-P Networks (part 2)</a:t>
             </a:r>
           </a:p>
         </p:txBody>
@@ -5528,7 +5528,7 @@
           <a:p>
             <a:r>
               <a:rPr lang="en-US" dirty="0"/>
-              <a:t>Internetworking Module</a:t>
+              <a:t>Cryptography Module</a:t>
             </a:r>
           </a:p>
         </p:txBody>

--- a/Network-Security/Module_2 Cryptography/Lesson_2_Crypto_Symmetric.pptx
+++ b/Network-Security/Module_2 Cryptography/Lesson_2_Crypto_Symmetric.pptx
@@ -313,7 +313,7 @@
               <a:pPr>
                 <a:defRPr/>
               </a:pPr>
-              <a:t>4/3/2018</a:t>
+              <a:t>4/21/18</a:t>
             </a:fld>
             <a:endParaRPr lang="en-US"/>
           </a:p>
@@ -2882,7 +2882,7 @@
           <p:cNvPr id="2" name="Title 1">
             <a:extLst>
               <a:ext uri="{FF2B5EF4-FFF2-40B4-BE49-F238E27FC236}">
-                <a16:creationId xmlns:a16="http://schemas.microsoft.com/office/drawing/2014/main" id="{5C287DE2-E1A2-4F41-96FE-94AF4425CB03}"/>
+                <a16:creationId xmlns:a16="http://schemas.microsoft.com/office/drawing/2014/main" xmlns="" id="{5C287DE2-E1A2-4F41-96FE-94AF4425CB03}"/>
               </a:ext>
             </a:extLst>
           </p:cNvPr>
@@ -2907,6 +2907,10 @@
             </a:lvl1pPr>
           </a:lstStyle>
           <a:p>
+            <a:r>
+              <a:rPr lang="en-US" dirty="0"/>
+              <a:t/>
+            </a:r>
             <a:br>
               <a:rPr lang="en-US" dirty="0"/>
             </a:br>
@@ -2924,27 +2928,59 @@
             <a:br>
               <a:rPr lang="en-US" dirty="0"/>
             </a:br>
+            <a:r>
+              <a:rPr lang="en-US" dirty="0"/>
+              <a:t/>
+            </a:r>
             <a:br>
               <a:rPr lang="en-US" dirty="0"/>
             </a:br>
+            <a:r>
+              <a:rPr lang="en-US" dirty="0"/>
+              <a:t/>
+            </a:r>
             <a:br>
               <a:rPr lang="en-US" dirty="0"/>
             </a:br>
+            <a:r>
+              <a:rPr lang="en-US" dirty="0"/>
+              <a:t/>
+            </a:r>
             <a:br>
               <a:rPr lang="en-US" dirty="0"/>
             </a:br>
+            <a:r>
+              <a:rPr lang="en-US" dirty="0"/>
+              <a:t/>
+            </a:r>
             <a:br>
               <a:rPr lang="en-US" dirty="0"/>
             </a:br>
+            <a:r>
+              <a:rPr lang="en-US" dirty="0"/>
+              <a:t/>
+            </a:r>
             <a:br>
               <a:rPr lang="en-US" dirty="0"/>
             </a:br>
+            <a:r>
+              <a:rPr lang="en-US" dirty="0"/>
+              <a:t/>
+            </a:r>
             <a:br>
               <a:rPr lang="en-US" dirty="0"/>
             </a:br>
+            <a:r>
+              <a:rPr lang="en-US" dirty="0"/>
+              <a:t/>
+            </a:r>
             <a:br>
               <a:rPr lang="en-US" dirty="0"/>
             </a:br>
+            <a:r>
+              <a:rPr lang="en-US" dirty="0"/>
+              <a:t/>
+            </a:r>
             <a:br>
               <a:rPr lang="en-US" dirty="0"/>
             </a:br>
@@ -2955,6 +2991,10 @@
             <a:br>
               <a:rPr lang="en-US" dirty="0"/>
             </a:br>
+            <a:r>
+              <a:rPr lang="en-US" dirty="0"/>
+              <a:t/>
+            </a:r>
             <a:br>
               <a:rPr lang="en-US" dirty="0"/>
             </a:br>
@@ -2965,6 +3005,10 @@
             <a:br>
               <a:rPr lang="en-US" dirty="0"/>
             </a:br>
+            <a:r>
+              <a:rPr lang="en-US" dirty="0"/>
+              <a:t/>
+            </a:r>
             <a:br>
               <a:rPr lang="en-US" dirty="0"/>
             </a:br>
@@ -2984,7 +3028,7 @@
           <p:cNvPr id="3" name="Slide Number Placeholder 2">
             <a:extLst>
               <a:ext uri="{FF2B5EF4-FFF2-40B4-BE49-F238E27FC236}">
-                <a16:creationId xmlns:a16="http://schemas.microsoft.com/office/drawing/2014/main" id="{7D2FFADE-E1BC-48C1-83AA-6DDDD39A33C4}"/>
+                <a16:creationId xmlns:a16="http://schemas.microsoft.com/office/drawing/2014/main" xmlns="" id="{7D2FFADE-E1BC-48C1-83AA-6DDDD39A33C4}"/>
               </a:ext>
             </a:extLst>
           </p:cNvPr>
@@ -3019,7 +3063,7 @@
           <p:cNvPr id="9" name="Picture 8">
             <a:extLst>
               <a:ext uri="{FF2B5EF4-FFF2-40B4-BE49-F238E27FC236}">
-                <a16:creationId xmlns:a16="http://schemas.microsoft.com/office/drawing/2014/main" id="{9CBFC76A-A606-42CF-BCDF-C73975C150B9}"/>
+                <a16:creationId xmlns:a16="http://schemas.microsoft.com/office/drawing/2014/main" xmlns="" id="{9CBFC76A-A606-42CF-BCDF-C73975C150B9}"/>
               </a:ext>
             </a:extLst>
           </p:cNvPr>
@@ -4154,7 +4198,7 @@
           <p:cNvPr id="3" name="Slide Number Placeholder 2">
             <a:extLst>
               <a:ext uri="{FF2B5EF4-FFF2-40B4-BE49-F238E27FC236}">
-                <a16:creationId xmlns:a16="http://schemas.microsoft.com/office/drawing/2014/main" id="{B733AA89-774D-4E04-86A0-1149ACF1B89D}"/>
+                <a16:creationId xmlns:a16="http://schemas.microsoft.com/office/drawing/2014/main" xmlns="" id="{B733AA89-774D-4E04-86A0-1149ACF1B89D}"/>
               </a:ext>
             </a:extLst>
           </p:cNvPr>
@@ -4275,13 +4319,10 @@
               <a:t>S-P networks are based on two primitive cryptographic operations substitution and </a:t>
             </a:r>
             <a:r>
-              <a:rPr lang="en-US" altLang="en-US" dirty="0" err="1"/>
-              <a:t>permutatio</a:t>
-            </a:r>
-            <a:r>
-              <a:rPr lang="en-US" altLang="en-US" dirty="0"/>
-              <a:t>. </a:t>
-            </a:r>
+              <a:rPr lang="en-US" altLang="en-US" dirty="0" smtClean="0"/>
+              <a:t>permutation. </a:t>
+            </a:r>
+            <a:endParaRPr lang="en-US" altLang="en-US" dirty="0"/>
           </a:p>
         </p:txBody>
       </p:sp>
@@ -4290,7 +4331,7 @@
           <p:cNvPr id="3" name="Slide Number Placeholder 2">
             <a:extLst>
               <a:ext uri="{FF2B5EF4-FFF2-40B4-BE49-F238E27FC236}">
-                <a16:creationId xmlns:a16="http://schemas.microsoft.com/office/drawing/2014/main" id="{4DED4E0E-F30D-4471-9BEC-000BDE21C38A}"/>
+                <a16:creationId xmlns:a16="http://schemas.microsoft.com/office/drawing/2014/main" xmlns="" id="{4DED4E0E-F30D-4471-9BEC-000BDE21C38A}"/>
               </a:ext>
             </a:extLst>
           </p:cNvPr>
@@ -4448,7 +4489,7 @@
           <p:cNvPr id="3" name="Slide Number Placeholder 2">
             <a:extLst>
               <a:ext uri="{FF2B5EF4-FFF2-40B4-BE49-F238E27FC236}">
-                <a16:creationId xmlns:a16="http://schemas.microsoft.com/office/drawing/2014/main" id="{443D2422-97C3-4E03-8D3E-06AF1C36FEB2}"/>
+                <a16:creationId xmlns:a16="http://schemas.microsoft.com/office/drawing/2014/main" xmlns="" id="{443D2422-97C3-4E03-8D3E-06AF1C36FEB2}"/>
               </a:ext>
             </a:extLst>
           </p:cNvPr>
@@ -4590,7 +4631,7 @@
           <p:cNvPr id="3" name="Slide Number Placeholder 2">
             <a:extLst>
               <a:ext uri="{FF2B5EF4-FFF2-40B4-BE49-F238E27FC236}">
-                <a16:creationId xmlns:a16="http://schemas.microsoft.com/office/drawing/2014/main" id="{67436A4F-0FDF-4A7D-9FA0-A1C80DBD0707}"/>
+                <a16:creationId xmlns:a16="http://schemas.microsoft.com/office/drawing/2014/main" xmlns="" id="{67436A4F-0FDF-4A7D-9FA0-A1C80DBD0707}"/>
               </a:ext>
             </a:extLst>
           </p:cNvPr>
@@ -4737,7 +4778,7 @@
           <p:cNvPr id="3" name="Slide Number Placeholder 2">
             <a:extLst>
               <a:ext uri="{FF2B5EF4-FFF2-40B4-BE49-F238E27FC236}">
-                <a16:creationId xmlns:a16="http://schemas.microsoft.com/office/drawing/2014/main" id="{643A1247-105C-4516-9A31-F2792A10C353}"/>
+                <a16:creationId xmlns:a16="http://schemas.microsoft.com/office/drawing/2014/main" xmlns="" id="{643A1247-105C-4516-9A31-F2792A10C353}"/>
               </a:ext>
             </a:extLst>
           </p:cNvPr>
@@ -4894,7 +4935,7 @@
           <p:cNvPr id="3" name="Slide Number Placeholder 2">
             <a:extLst>
               <a:ext uri="{FF2B5EF4-FFF2-40B4-BE49-F238E27FC236}">
-                <a16:creationId xmlns:a16="http://schemas.microsoft.com/office/drawing/2014/main" id="{0455D858-6F04-4F47-B4B0-24312675366A}"/>
+                <a16:creationId xmlns:a16="http://schemas.microsoft.com/office/drawing/2014/main" xmlns="" id="{0455D858-6F04-4F47-B4B0-24312675366A}"/>
               </a:ext>
             </a:extLst>
           </p:cNvPr>
@@ -5017,7 +5058,7 @@
           <p:cNvPr id="3" name="Slide Number Placeholder 2">
             <a:extLst>
               <a:ext uri="{FF2B5EF4-FFF2-40B4-BE49-F238E27FC236}">
-                <a16:creationId xmlns:a16="http://schemas.microsoft.com/office/drawing/2014/main" id="{FAEEDBED-731C-4CD1-9C0D-D0139E26EC9E}"/>
+                <a16:creationId xmlns:a16="http://schemas.microsoft.com/office/drawing/2014/main" xmlns="" id="{FAEEDBED-731C-4CD1-9C0D-D0139E26EC9E}"/>
               </a:ext>
             </a:extLst>
           </p:cNvPr>
@@ -5096,8 +5137,8 @@
           <a:lstStyle/>
           <a:p>
             <a:r>
-              <a:rPr lang="en-US" altLang="en-US" dirty="0"/>
-              <a:t>Implementing S-P Networks (part 2)</a:t>
+              <a:rPr lang="en-US" altLang="en-US"/>
+              <a:t>Implementing S-P Networks</a:t>
             </a:r>
           </a:p>
         </p:txBody>
@@ -5150,7 +5191,7 @@
           <p:cNvPr id="3" name="Slide Number Placeholder 2">
             <a:extLst>
               <a:ext uri="{FF2B5EF4-FFF2-40B4-BE49-F238E27FC236}">
-                <a16:creationId xmlns:a16="http://schemas.microsoft.com/office/drawing/2014/main" id="{965DA980-BB41-4DFB-8F4C-CA99BC5454F6}"/>
+                <a16:creationId xmlns:a16="http://schemas.microsoft.com/office/drawing/2014/main" xmlns="" id="{965DA980-BB41-4DFB-8F4C-CA99BC5454F6}"/>
               </a:ext>
             </a:extLst>
           </p:cNvPr>
@@ -5296,7 +5337,7 @@
           <p:cNvPr id="3" name="Slide Number Placeholder 2">
             <a:extLst>
               <a:ext uri="{FF2B5EF4-FFF2-40B4-BE49-F238E27FC236}">
-                <a16:creationId xmlns:a16="http://schemas.microsoft.com/office/drawing/2014/main" id="{FCF6887A-B96A-433E-9BBE-44C313D13B33}"/>
+                <a16:creationId xmlns:a16="http://schemas.microsoft.com/office/drawing/2014/main" xmlns="" id="{FCF6887A-B96A-433E-9BBE-44C313D13B33}"/>
               </a:ext>
             </a:extLst>
           </p:cNvPr>
@@ -5447,7 +5488,7 @@
           <p:cNvPr id="3" name="Slide Number Placeholder 2">
             <a:extLst>
               <a:ext uri="{FF2B5EF4-FFF2-40B4-BE49-F238E27FC236}">
-                <a16:creationId xmlns:a16="http://schemas.microsoft.com/office/drawing/2014/main" id="{6C5505C9-B9AA-4B93-859B-F089026C7A6D}"/>
+                <a16:creationId xmlns:a16="http://schemas.microsoft.com/office/drawing/2014/main" xmlns="" id="{6C5505C9-B9AA-4B93-859B-F089026C7A6D}"/>
               </a:ext>
             </a:extLst>
           </p:cNvPr>
@@ -5510,7 +5551,7 @@
           <p:cNvPr id="2" name="Title 1">
             <a:extLst>
               <a:ext uri="{FF2B5EF4-FFF2-40B4-BE49-F238E27FC236}">
-                <a16:creationId xmlns:a16="http://schemas.microsoft.com/office/drawing/2014/main" id="{4FDDDE79-84CD-4BD4-8191-64CD17F70EB2}"/>
+                <a16:creationId xmlns:a16="http://schemas.microsoft.com/office/drawing/2014/main" xmlns="" id="{4FDDDE79-84CD-4BD4-8191-64CD17F70EB2}"/>
               </a:ext>
             </a:extLst>
           </p:cNvPr>
@@ -5527,8 +5568,16 @@
           <a:lstStyle/>
           <a:p>
             <a:r>
+              <a:rPr lang="en-US" dirty="0" smtClean="0"/>
+              <a:t>Cryptography</a:t>
+            </a:r>
+            <a:r>
+              <a:rPr lang="en-US" dirty="0" smtClean="0"/>
+              <a:t> </a:t>
+            </a:r>
+            <a:r>
               <a:rPr lang="en-US" dirty="0"/>
-              <a:t>Cryptography Module</a:t>
+              <a:t>Module</a:t>
             </a:r>
           </a:p>
         </p:txBody>
@@ -5538,7 +5587,7 @@
           <p:cNvPr id="3" name="Content Placeholder 2">
             <a:extLst>
               <a:ext uri="{FF2B5EF4-FFF2-40B4-BE49-F238E27FC236}">
-                <a16:creationId xmlns:a16="http://schemas.microsoft.com/office/drawing/2014/main" id="{1E11D7D9-AFF5-4F1C-A116-5D460DCCEF0D}"/>
+                <a16:creationId xmlns:a16="http://schemas.microsoft.com/office/drawing/2014/main" xmlns="" id="{1E11D7D9-AFF5-4F1C-A116-5D460DCCEF0D}"/>
               </a:ext>
             </a:extLst>
           </p:cNvPr>
@@ -5616,7 +5665,7 @@
           <p:cNvPr id="4" name="Slide Number Placeholder 3">
             <a:extLst>
               <a:ext uri="{FF2B5EF4-FFF2-40B4-BE49-F238E27FC236}">
-                <a16:creationId xmlns:a16="http://schemas.microsoft.com/office/drawing/2014/main" id="{95BCECBD-F96D-47DA-9A6D-248B240ABC8D}"/>
+                <a16:creationId xmlns:a16="http://schemas.microsoft.com/office/drawing/2014/main" xmlns="" id="{95BCECBD-F96D-47DA-9A6D-248B240ABC8D}"/>
               </a:ext>
             </a:extLst>
           </p:cNvPr>
@@ -5751,7 +5800,7 @@
           <p:cNvPr id="3" name="Slide Number Placeholder 2">
             <a:extLst>
               <a:ext uri="{FF2B5EF4-FFF2-40B4-BE49-F238E27FC236}">
-                <a16:creationId xmlns:a16="http://schemas.microsoft.com/office/drawing/2014/main" id="{66DC82DA-C9B1-41C5-B398-D3CE6A73EF64}"/>
+                <a16:creationId xmlns:a16="http://schemas.microsoft.com/office/drawing/2014/main" xmlns="" id="{66DC82DA-C9B1-41C5-B398-D3CE6A73EF64}"/>
               </a:ext>
             </a:extLst>
           </p:cNvPr>
@@ -5935,7 +5984,7 @@
           <p:cNvPr id="3" name="Slide Number Placeholder 2">
             <a:extLst>
               <a:ext uri="{FF2B5EF4-FFF2-40B4-BE49-F238E27FC236}">
-                <a16:creationId xmlns:a16="http://schemas.microsoft.com/office/drawing/2014/main" id="{22326D65-7DCF-4774-B474-20962DFA8552}"/>
+                <a16:creationId xmlns:a16="http://schemas.microsoft.com/office/drawing/2014/main" xmlns="" id="{22326D65-7DCF-4774-B474-20962DFA8552}"/>
               </a:ext>
             </a:extLst>
           </p:cNvPr>
@@ -6088,7 +6137,7 @@
           <p:cNvPr id="3" name="Slide Number Placeholder 2">
             <a:extLst>
               <a:ext uri="{FF2B5EF4-FFF2-40B4-BE49-F238E27FC236}">
-                <a16:creationId xmlns:a16="http://schemas.microsoft.com/office/drawing/2014/main" id="{68F73406-0830-4AB8-AB66-761475EFD441}"/>
+                <a16:creationId xmlns:a16="http://schemas.microsoft.com/office/drawing/2014/main" xmlns="" id="{68F73406-0830-4AB8-AB66-761475EFD441}"/>
               </a:ext>
             </a:extLst>
           </p:cNvPr>
@@ -6225,7 +6274,7 @@
           <p:cNvPr id="3" name="Slide Number Placeholder 2">
             <a:extLst>
               <a:ext uri="{FF2B5EF4-FFF2-40B4-BE49-F238E27FC236}">
-                <a16:creationId xmlns:a16="http://schemas.microsoft.com/office/drawing/2014/main" id="{C2671927-5B55-4222-AF32-15FEB7215774}"/>
+                <a16:creationId xmlns:a16="http://schemas.microsoft.com/office/drawing/2014/main" xmlns="" id="{C2671927-5B55-4222-AF32-15FEB7215774}"/>
               </a:ext>
             </a:extLst>
           </p:cNvPr>
@@ -6355,7 +6404,7 @@
           <p:cNvPr id="3" name="Slide Number Placeholder 2">
             <a:extLst>
               <a:ext uri="{FF2B5EF4-FFF2-40B4-BE49-F238E27FC236}">
-                <a16:creationId xmlns:a16="http://schemas.microsoft.com/office/drawing/2014/main" id="{EEC1682D-B712-4EC6-B798-ED8746C513BC}"/>
+                <a16:creationId xmlns:a16="http://schemas.microsoft.com/office/drawing/2014/main" xmlns="" id="{EEC1682D-B712-4EC6-B798-ED8746C513BC}"/>
               </a:ext>
             </a:extLst>
           </p:cNvPr>
@@ -6518,7 +6567,7 @@
           <p:cNvPr id="3" name="Slide Number Placeholder 2">
             <a:extLst>
               <a:ext uri="{FF2B5EF4-FFF2-40B4-BE49-F238E27FC236}">
-                <a16:creationId xmlns:a16="http://schemas.microsoft.com/office/drawing/2014/main" id="{E422FBAE-5B35-440C-83C1-A599AC3477C0}"/>
+                <a16:creationId xmlns:a16="http://schemas.microsoft.com/office/drawing/2014/main" xmlns="" id="{E422FBAE-5B35-440C-83C1-A599AC3477C0}"/>
               </a:ext>
             </a:extLst>
           </p:cNvPr>
@@ -6643,7 +6692,7 @@
           <p:cNvPr id="3" name="Slide Number Placeholder 2">
             <a:extLst>
               <a:ext uri="{FF2B5EF4-FFF2-40B4-BE49-F238E27FC236}">
-                <a16:creationId xmlns:a16="http://schemas.microsoft.com/office/drawing/2014/main" id="{CBBBB75F-76E5-4FDA-BFC7-1908DA6650B8}"/>
+                <a16:creationId xmlns:a16="http://schemas.microsoft.com/office/drawing/2014/main" xmlns="" id="{CBBBB75F-76E5-4FDA-BFC7-1908DA6650B8}"/>
               </a:ext>
             </a:extLst>
           </p:cNvPr>
@@ -6706,7 +6755,7 @@
           <p:cNvPr id="7" name="Group 6" descr="This diagram show the DES structure. This is the same as the Fiestle stucture except give details for key generation and F-box. There are 16 rounds.&#10;&#10;DES assumes 64 bit key (8 characteers each with a parity bit) so 56 effective bits. These bits are shifted and 48 of them are selected and prmuted at each stage.&#10;&#10;The F box expands the 32 bit right half into 48 bits and combines tieh key, then sends through s-boxes and a permutation. Then 32 of these bits are exclusive or'd with the 32 bit left half.&#10;&#10;At beginning and end of DES the input/output are permuted outside the fiestle structure. &#10;" title="Diagram of DES">
             <a:extLst>
               <a:ext uri="{FF2B5EF4-FFF2-40B4-BE49-F238E27FC236}">
-                <a16:creationId xmlns:a16="http://schemas.microsoft.com/office/drawing/2014/main" id="{CA832A1B-5F48-494F-9529-96E8459D8CCC}"/>
+                <a16:creationId xmlns:a16="http://schemas.microsoft.com/office/drawing/2014/main" xmlns="" id="{CA832A1B-5F48-494F-9529-96E8459D8CCC}"/>
               </a:ext>
             </a:extLst>
           </p:cNvPr>
@@ -9671,7 +9720,7 @@
           <p:cNvPr id="8" name="Title 7">
             <a:extLst>
               <a:ext uri="{FF2B5EF4-FFF2-40B4-BE49-F238E27FC236}">
-                <a16:creationId xmlns:a16="http://schemas.microsoft.com/office/drawing/2014/main" id="{F7F7CD32-D832-4A99-A66E-DE907616F31E}"/>
+                <a16:creationId xmlns:a16="http://schemas.microsoft.com/office/drawing/2014/main" xmlns="" id="{F7F7CD32-D832-4A99-A66E-DE907616F31E}"/>
               </a:ext>
             </a:extLst>
           </p:cNvPr>
@@ -9704,7 +9753,7 @@
           <p:cNvPr id="3" name="Slide Number Placeholder 2">
             <a:extLst>
               <a:ext uri="{FF2B5EF4-FFF2-40B4-BE49-F238E27FC236}">
-                <a16:creationId xmlns:a16="http://schemas.microsoft.com/office/drawing/2014/main" id="{7255880D-C3E6-47BB-A821-93CD6FF8C15F}"/>
+                <a16:creationId xmlns:a16="http://schemas.microsoft.com/office/drawing/2014/main" xmlns="" id="{7255880D-C3E6-47BB-A821-93CD6FF8C15F}"/>
               </a:ext>
             </a:extLst>
           </p:cNvPr>
@@ -9837,7 +9886,7 @@
           <p:cNvPr id="3" name="Slide Number Placeholder 2">
             <a:extLst>
               <a:ext uri="{FF2B5EF4-FFF2-40B4-BE49-F238E27FC236}">
-                <a16:creationId xmlns:a16="http://schemas.microsoft.com/office/drawing/2014/main" id="{ED72F878-42F5-4561-8D2E-E6CF05F1572B}"/>
+                <a16:creationId xmlns:a16="http://schemas.microsoft.com/office/drawing/2014/main" xmlns="" id="{ED72F878-42F5-4561-8D2E-E6CF05F1572B}"/>
               </a:ext>
             </a:extLst>
           </p:cNvPr>
@@ -9986,7 +10035,7 @@
           <p:cNvPr id="3" name="Slide Number Placeholder 2">
             <a:extLst>
               <a:ext uri="{FF2B5EF4-FFF2-40B4-BE49-F238E27FC236}">
-                <a16:creationId xmlns:a16="http://schemas.microsoft.com/office/drawing/2014/main" id="{97F6CBAF-E832-4D81-8FED-3C80F92BABF5}"/>
+                <a16:creationId xmlns:a16="http://schemas.microsoft.com/office/drawing/2014/main" xmlns="" id="{97F6CBAF-E832-4D81-8FED-3C80F92BABF5}"/>
               </a:ext>
             </a:extLst>
           </p:cNvPr>
@@ -10127,7 +10176,7 @@
           <p:cNvPr id="3" name="Slide Number Placeholder 2">
             <a:extLst>
               <a:ext uri="{FF2B5EF4-FFF2-40B4-BE49-F238E27FC236}">
-                <a16:creationId xmlns:a16="http://schemas.microsoft.com/office/drawing/2014/main" id="{0B1163B0-19D9-4859-8B88-CD4B646011C3}"/>
+                <a16:creationId xmlns:a16="http://schemas.microsoft.com/office/drawing/2014/main" xmlns="" id="{0B1163B0-19D9-4859-8B88-CD4B646011C3}"/>
               </a:ext>
             </a:extLst>
           </p:cNvPr>
@@ -10284,7 +10333,7 @@
           <p:cNvPr id="3" name="Slide Number Placeholder 2">
             <a:extLst>
               <a:ext uri="{FF2B5EF4-FFF2-40B4-BE49-F238E27FC236}">
-                <a16:creationId xmlns:a16="http://schemas.microsoft.com/office/drawing/2014/main" id="{36E450F3-426A-4954-B2D3-732DAD5CACED}"/>
+                <a16:creationId xmlns:a16="http://schemas.microsoft.com/office/drawing/2014/main" xmlns="" id="{36E450F3-426A-4954-B2D3-732DAD5CACED}"/>
               </a:ext>
             </a:extLst>
           </p:cNvPr>
@@ -10418,7 +10467,7 @@
           <p:cNvPr id="3" name="Slide Number Placeholder 2">
             <a:extLst>
               <a:ext uri="{FF2B5EF4-FFF2-40B4-BE49-F238E27FC236}">
-                <a16:creationId xmlns:a16="http://schemas.microsoft.com/office/drawing/2014/main" id="{2BB816FA-37E2-4536-8CC4-CDE697B2897E}"/>
+                <a16:creationId xmlns:a16="http://schemas.microsoft.com/office/drawing/2014/main" xmlns="" id="{2BB816FA-37E2-4536-8CC4-CDE697B2897E}"/>
               </a:ext>
             </a:extLst>
           </p:cNvPr>
@@ -10557,7 +10606,7 @@
           <p:cNvPr id="3" name="Slide Number Placeholder 2">
             <a:extLst>
               <a:ext uri="{FF2B5EF4-FFF2-40B4-BE49-F238E27FC236}">
-                <a16:creationId xmlns:a16="http://schemas.microsoft.com/office/drawing/2014/main" id="{EE77E4AE-DC3D-4DF8-B8DD-4C673E76501B}"/>
+                <a16:creationId xmlns:a16="http://schemas.microsoft.com/office/drawing/2014/main" xmlns="" id="{EE77E4AE-DC3D-4DF8-B8DD-4C673E76501B}"/>
               </a:ext>
             </a:extLst>
           </p:cNvPr>
@@ -10720,7 +10769,7 @@
           <p:cNvPr id="3" name="Slide Number Placeholder 2">
             <a:extLst>
               <a:ext uri="{FF2B5EF4-FFF2-40B4-BE49-F238E27FC236}">
-                <a16:creationId xmlns:a16="http://schemas.microsoft.com/office/drawing/2014/main" id="{069ED540-5600-4E8A-8464-1F4823D712CE}"/>
+                <a16:creationId xmlns:a16="http://schemas.microsoft.com/office/drawing/2014/main" xmlns="" id="{069ED540-5600-4E8A-8464-1F4823D712CE}"/>
               </a:ext>
             </a:extLst>
           </p:cNvPr>
@@ -10864,7 +10913,7 @@
           <p:cNvPr id="3" name="Slide Number Placeholder 2">
             <a:extLst>
               <a:ext uri="{FF2B5EF4-FFF2-40B4-BE49-F238E27FC236}">
-                <a16:creationId xmlns:a16="http://schemas.microsoft.com/office/drawing/2014/main" id="{504E60B6-BF25-49FA-969B-1A6E24C6DE65}"/>
+                <a16:creationId xmlns:a16="http://schemas.microsoft.com/office/drawing/2014/main" xmlns="" id="{504E60B6-BF25-49FA-969B-1A6E24C6DE65}"/>
               </a:ext>
             </a:extLst>
           </p:cNvPr>
@@ -11008,7 +11057,7 @@
           <p:cNvPr id="3" name="Slide Number Placeholder 2">
             <a:extLst>
               <a:ext uri="{FF2B5EF4-FFF2-40B4-BE49-F238E27FC236}">
-                <a16:creationId xmlns:a16="http://schemas.microsoft.com/office/drawing/2014/main" id="{98E845C7-5A00-4432-A721-A9A5127C2F72}"/>
+                <a16:creationId xmlns:a16="http://schemas.microsoft.com/office/drawing/2014/main" xmlns="" id="{98E845C7-5A00-4432-A721-A9A5127C2F72}"/>
               </a:ext>
             </a:extLst>
           </p:cNvPr>
@@ -11151,7 +11200,7 @@
           <p:cNvPr id="3" name="Slide Number Placeholder 2">
             <a:extLst>
               <a:ext uri="{FF2B5EF4-FFF2-40B4-BE49-F238E27FC236}">
-                <a16:creationId xmlns:a16="http://schemas.microsoft.com/office/drawing/2014/main" id="{8DF51E95-3CE3-4638-9E4C-AFD62C537B28}"/>
+                <a16:creationId xmlns:a16="http://schemas.microsoft.com/office/drawing/2014/main" xmlns="" id="{8DF51E95-3CE3-4638-9E4C-AFD62C537B28}"/>
               </a:ext>
             </a:extLst>
           </p:cNvPr>
@@ -11308,7 +11357,7 @@
           <p:cNvPr id="3" name="Slide Number Placeholder 2">
             <a:extLst>
               <a:ext uri="{FF2B5EF4-FFF2-40B4-BE49-F238E27FC236}">
-                <a16:creationId xmlns:a16="http://schemas.microsoft.com/office/drawing/2014/main" id="{F7F43E4F-422D-4C5E-9AB6-B93C25F302E7}"/>
+                <a16:creationId xmlns:a16="http://schemas.microsoft.com/office/drawing/2014/main" xmlns="" id="{F7F43E4F-422D-4C5E-9AB6-B93C25F302E7}"/>
               </a:ext>
             </a:extLst>
           </p:cNvPr>
@@ -11458,7 +11507,7 @@
           <p:cNvPr id="3" name="Slide Number Placeholder 2">
             <a:extLst>
               <a:ext uri="{FF2B5EF4-FFF2-40B4-BE49-F238E27FC236}">
-                <a16:creationId xmlns:a16="http://schemas.microsoft.com/office/drawing/2014/main" id="{9E42EDED-AF17-407B-92E8-01058771F656}"/>
+                <a16:creationId xmlns:a16="http://schemas.microsoft.com/office/drawing/2014/main" xmlns="" id="{9E42EDED-AF17-407B-92E8-01058771F656}"/>
               </a:ext>
             </a:extLst>
           </p:cNvPr>
@@ -11559,42 +11608,52 @@
           <a:lstStyle/>
           <a:p>
             <a:r>
-              <a:rPr lang="en-US" altLang="en-US"/>
-              <a:t>Overview of Rijndael</a:t>
-            </a:r>
+              <a:rPr lang="en-US" altLang="en-US" dirty="0"/>
+              <a:t>Overview of </a:t>
+            </a:r>
+            <a:r>
+              <a:rPr lang="en-US" altLang="en-US" dirty="0" err="1"/>
+              <a:t>Rijndael</a:t>
+            </a:r>
+            <a:endParaRPr lang="en-US" altLang="en-US" dirty="0"/>
           </a:p>
           <a:p>
             <a:pPr lvl="1"/>
             <a:r>
-              <a:rPr lang="en-US" altLang="en-US"/>
+              <a:rPr lang="en-US" altLang="en-US" dirty="0"/>
               <a:t>Fast algorithm</a:t>
             </a:r>
           </a:p>
           <a:p>
             <a:pPr lvl="2"/>
             <a:r>
-              <a:rPr lang="en-US" altLang="en-US"/>
+              <a:rPr lang="en-US" altLang="en-US" dirty="0"/>
               <a:t>Can be implemented on simple processor</a:t>
             </a:r>
           </a:p>
           <a:p>
             <a:pPr lvl="1"/>
             <a:r>
-              <a:rPr lang="en-US" altLang="en-US"/>
+              <a:rPr lang="en-US" altLang="en-US" dirty="0"/>
               <a:t>Uses substitution and transposition plus shift, XOR and addition operations</a:t>
             </a:r>
           </a:p>
           <a:p>
             <a:pPr lvl="1"/>
             <a:r>
-              <a:rPr lang="en-US" altLang="en-US"/>
-              <a:t>Uses repeat cycles – called rounds in Rijndael</a:t>
-            </a:r>
+              <a:rPr lang="en-US" altLang="en-US" dirty="0"/>
+              <a:t>Uses repeat cycles – called rounds in </a:t>
+            </a:r>
+            <a:r>
+              <a:rPr lang="en-US" altLang="en-US" dirty="0" err="1"/>
+              <a:t>Rijndael</a:t>
+            </a:r>
+            <a:endParaRPr lang="en-US" altLang="en-US" dirty="0"/>
           </a:p>
           <a:p>
             <a:pPr lvl="1"/>
             <a:r>
-              <a:rPr lang="en-US" altLang="en-US"/>
+              <a:rPr lang="en-US" altLang="en-US" dirty="0"/>
               <a:t>Each cycle consists of 4 steps</a:t>
             </a:r>
           </a:p>
@@ -11609,7 +11668,7 @@
           <p:cNvPr id="3" name="Slide Number Placeholder 2">
             <a:extLst>
               <a:ext uri="{FF2B5EF4-FFF2-40B4-BE49-F238E27FC236}">
-                <a16:creationId xmlns:a16="http://schemas.microsoft.com/office/drawing/2014/main" id="{7399DF59-CC06-4982-A762-A4D38968D119}"/>
+                <a16:creationId xmlns:a16="http://schemas.microsoft.com/office/drawing/2014/main" xmlns="" id="{7399DF59-CC06-4982-A762-A4D38968D119}"/>
               </a:ext>
             </a:extLst>
           </p:cNvPr>
@@ -11746,7 +11805,7 @@
           <p:cNvPr id="3" name="Slide Number Placeholder 2">
             <a:extLst>
               <a:ext uri="{FF2B5EF4-FFF2-40B4-BE49-F238E27FC236}">
-                <a16:creationId xmlns:a16="http://schemas.microsoft.com/office/drawing/2014/main" id="{87E5CB1E-851E-484F-AD89-C2C3D6A6230C}"/>
+                <a16:creationId xmlns:a16="http://schemas.microsoft.com/office/drawing/2014/main" xmlns="" id="{87E5CB1E-851E-484F-AD89-C2C3D6A6230C}"/>
               </a:ext>
             </a:extLst>
           </p:cNvPr>
@@ -11847,63 +11906,63 @@
           <a:lstStyle/>
           <a:p>
             <a:r>
-              <a:rPr lang="en-US" altLang="en-US"/>
+              <a:rPr lang="en-US" altLang="en-US" dirty="0"/>
               <a:t>Overview AES</a:t>
             </a:r>
           </a:p>
           <a:p>
             <a:pPr lvl="1"/>
             <a:r>
-              <a:rPr lang="en-US" altLang="en-US"/>
+              <a:rPr lang="en-US" altLang="en-US" dirty="0"/>
               <a:t>Each cycle has four steps</a:t>
             </a:r>
           </a:p>
           <a:p>
             <a:pPr lvl="2"/>
             <a:r>
-              <a:rPr lang="en-US" altLang="en-US"/>
+              <a:rPr lang="en-US" altLang="en-US" sz="2000" dirty="0"/>
               <a:t>1. Byte substitution</a:t>
             </a:r>
           </a:p>
           <a:p>
             <a:pPr lvl="3"/>
             <a:r>
-              <a:rPr lang="en-US" altLang="en-US"/>
+              <a:rPr lang="en-US" altLang="en-US" sz="1800" dirty="0"/>
               <a:t>Uses byte substitution box structure similar to DES</a:t>
             </a:r>
           </a:p>
           <a:p>
             <a:pPr lvl="3"/>
             <a:r>
-              <a:rPr lang="en-US" altLang="en-US"/>
+              <a:rPr lang="en-US" altLang="en-US" sz="1800" dirty="0"/>
               <a:t>Substituting each byte of a 128 bit block according to a substitution table</a:t>
             </a:r>
           </a:p>
           <a:p>
             <a:pPr lvl="2"/>
             <a:r>
-              <a:rPr lang="en-US" altLang="en-US"/>
+              <a:rPr lang="en-US" altLang="en-US" sz="2000" dirty="0"/>
               <a:t>2. Shift Row</a:t>
             </a:r>
           </a:p>
           <a:p>
             <a:pPr lvl="3"/>
             <a:r>
-              <a:rPr lang="en-US" altLang="en-US"/>
+              <a:rPr lang="en-US" altLang="en-US" sz="1800" dirty="0"/>
               <a:t>Transposition step</a:t>
             </a:r>
           </a:p>
           <a:p>
             <a:pPr lvl="3"/>
             <a:r>
-              <a:rPr lang="en-US" altLang="en-US"/>
+              <a:rPr lang="en-US" altLang="en-US" sz="1800" dirty="0"/>
               <a:t>For 128 and 192 bit block sizes, row n is shifted left circular (n-1) bytes</a:t>
             </a:r>
           </a:p>
           <a:p>
             <a:pPr lvl="3"/>
             <a:r>
-              <a:rPr lang="en-US" altLang="en-US"/>
+              <a:rPr lang="en-US" altLang="en-US" sz="1800" dirty="0"/>
               <a:t>For 256 bit blocks, row 2 is shifted 1 byte and rows 3 and 4 are shifted 3 and 4 bytes respectively</a:t>
             </a:r>
           </a:p>
@@ -11914,7 +11973,7 @@
           <p:cNvPr id="3" name="Slide Number Placeholder 2">
             <a:extLst>
               <a:ext uri="{FF2B5EF4-FFF2-40B4-BE49-F238E27FC236}">
-                <a16:creationId xmlns:a16="http://schemas.microsoft.com/office/drawing/2014/main" id="{E5C04254-CC57-4AB9-810C-39D1A56D88ED}"/>
+                <a16:creationId xmlns:a16="http://schemas.microsoft.com/office/drawing/2014/main" xmlns="" id="{E5C04254-CC57-4AB9-810C-39D1A56D88ED}"/>
               </a:ext>
             </a:extLst>
           </p:cNvPr>
@@ -12015,19 +12074,27 @@
               <a:buNone/>
             </a:pPr>
             <a:r>
-              <a:rPr lang="en-US" altLang="en-US"/>
+              <a:rPr lang="en-US" altLang="en-US" dirty="0"/>
               <a:t>		</a:t>
             </a:r>
             <a:r>
-              <a:rPr lang="en-US" altLang="en-US" sz="2400"/>
+              <a:rPr lang="en-US" altLang="en-US" sz="2400" dirty="0"/>
               <a:t>3. Mix Columns</a:t>
             </a:r>
           </a:p>
           <a:p>
             <a:pPr lvl="3" eaLnBrk="1" hangingPunct="1"/>
             <a:r>
-              <a:rPr lang="en-US" altLang="en-US" sz="2400"/>
-              <a:t>Shifting left and Xoring the bits with themselves</a:t>
+              <a:rPr lang="en-US" altLang="en-US" sz="2400" dirty="0"/>
+              <a:t>Shifting left and </a:t>
+            </a:r>
+            <a:r>
+              <a:rPr lang="en-US" altLang="en-US" sz="2400" dirty="0" err="1"/>
+              <a:t>Xoring</a:t>
+            </a:r>
+            <a:r>
+              <a:rPr lang="en-US" altLang="en-US" sz="2400" dirty="0"/>
+              <a:t> the bits with themselves</a:t>
             </a:r>
           </a:p>
           <a:p>
@@ -12036,34 +12103,47 @@
               <a:buNone/>
             </a:pPr>
             <a:r>
-              <a:rPr lang="en-US" altLang="en-US"/>
-              <a:t>4. Add subkey</a:t>
-            </a:r>
+              <a:rPr lang="en-US" altLang="en-US" sz="2400" dirty="0"/>
+              <a:t>4. Add </a:t>
+            </a:r>
+            <a:r>
+              <a:rPr lang="en-US" altLang="en-US" sz="2400" dirty="0" err="1"/>
+              <a:t>subkey</a:t>
+            </a:r>
+            <a:endParaRPr lang="en-US" altLang="en-US" sz="2400" dirty="0"/>
           </a:p>
           <a:p>
             <a:pPr lvl="3" eaLnBrk="1" hangingPunct="1"/>
             <a:r>
-              <a:rPr lang="en-US" altLang="en-US" sz="2400"/>
-              <a:t>Portion of key unique to this cycle is Xor’ed with cycle result</a:t>
+              <a:rPr lang="en-US" altLang="en-US" sz="2400" dirty="0"/>
+              <a:t>Portion of key unique to this cycle is </a:t>
+            </a:r>
+            <a:r>
+              <a:rPr lang="en-US" altLang="en-US" sz="2400" dirty="0" err="1"/>
+              <a:t>Xor’ed</a:t>
+            </a:r>
+            <a:r>
+              <a:rPr lang="en-US" altLang="en-US" sz="2400" dirty="0"/>
+              <a:t> with cycle result</a:t>
             </a:r>
           </a:p>
           <a:p>
             <a:pPr lvl="1" eaLnBrk="1" hangingPunct="1"/>
             <a:r>
-              <a:rPr lang="en-US" altLang="en-US"/>
+              <a:rPr lang="en-US" altLang="en-US" dirty="0"/>
               <a:t>Steps perform both confusion and diffusion on  input data</a:t>
             </a:r>
           </a:p>
           <a:p>
             <a:pPr lvl="1" eaLnBrk="1" hangingPunct="1"/>
             <a:r>
-              <a:rPr lang="en-US" altLang="en-US"/>
+              <a:rPr lang="en-US" altLang="en-US" dirty="0"/>
               <a:t>Bits from key are combined with intermediate results frequently so key bits will be well diffused</a:t>
             </a:r>
           </a:p>
           <a:p>
             <a:pPr lvl="3" eaLnBrk="1" hangingPunct="1"/>
-            <a:endParaRPr lang="en-US" altLang="en-US"/>
+            <a:endParaRPr lang="en-US" altLang="en-US" dirty="0"/>
           </a:p>
         </p:txBody>
       </p:sp>
@@ -12072,7 +12152,7 @@
           <p:cNvPr id="3" name="Slide Number Placeholder 2">
             <a:extLst>
               <a:ext uri="{FF2B5EF4-FFF2-40B4-BE49-F238E27FC236}">
-                <a16:creationId xmlns:a16="http://schemas.microsoft.com/office/drawing/2014/main" id="{C0290B46-BCCE-4BF8-8DD7-0E08742BE333}"/>
+                <a16:creationId xmlns:a16="http://schemas.microsoft.com/office/drawing/2014/main" xmlns="" id="{C0290B46-BCCE-4BF8-8DD7-0E08742BE333}"/>
               </a:ext>
             </a:extLst>
           </p:cNvPr>
@@ -12227,7 +12307,7 @@
           <p:cNvPr id="3" name="Slide Number Placeholder 2">
             <a:extLst>
               <a:ext uri="{FF2B5EF4-FFF2-40B4-BE49-F238E27FC236}">
-                <a16:creationId xmlns:a16="http://schemas.microsoft.com/office/drawing/2014/main" id="{697BABA9-B938-4297-8490-57EBEEA7E7EA}"/>
+                <a16:creationId xmlns:a16="http://schemas.microsoft.com/office/drawing/2014/main" xmlns="" id="{697BABA9-B938-4297-8490-57EBEEA7E7EA}"/>
               </a:ext>
             </a:extLst>
           </p:cNvPr>
@@ -12386,7 +12466,7 @@
           <p:cNvPr id="3" name="Slide Number Placeholder 2">
             <a:extLst>
               <a:ext uri="{FF2B5EF4-FFF2-40B4-BE49-F238E27FC236}">
-                <a16:creationId xmlns:a16="http://schemas.microsoft.com/office/drawing/2014/main" id="{D014DCE8-7325-4FC9-82FD-34D246F026B1}"/>
+                <a16:creationId xmlns:a16="http://schemas.microsoft.com/office/drawing/2014/main" xmlns="" id="{D014DCE8-7325-4FC9-82FD-34D246F026B1}"/>
               </a:ext>
             </a:extLst>
           </p:cNvPr>
@@ -12536,7 +12616,7 @@
           <p:cNvPr id="3" name="Slide Number Placeholder 2">
             <a:extLst>
               <a:ext uri="{FF2B5EF4-FFF2-40B4-BE49-F238E27FC236}">
-                <a16:creationId xmlns:a16="http://schemas.microsoft.com/office/drawing/2014/main" id="{B2DE45F7-7C6B-4350-9CBC-2DC97C3FF8EF}"/>
+                <a16:creationId xmlns:a16="http://schemas.microsoft.com/office/drawing/2014/main" xmlns="" id="{B2DE45F7-7C6B-4350-9CBC-2DC97C3FF8EF}"/>
               </a:ext>
             </a:extLst>
           </p:cNvPr>
@@ -12685,7 +12765,7 @@
           <p:cNvPr id="3" name="Slide Number Placeholder 2">
             <a:extLst>
               <a:ext uri="{FF2B5EF4-FFF2-40B4-BE49-F238E27FC236}">
-                <a16:creationId xmlns:a16="http://schemas.microsoft.com/office/drawing/2014/main" id="{7194008C-8C27-4630-A7D3-CD3BB5035F99}"/>
+                <a16:creationId xmlns:a16="http://schemas.microsoft.com/office/drawing/2014/main" xmlns="" id="{7194008C-8C27-4630-A7D3-CD3BB5035F99}"/>
               </a:ext>
             </a:extLst>
           </p:cNvPr>
@@ -12748,7 +12828,7 @@
           <p:cNvPr id="11" name="Title 10">
             <a:extLst>
               <a:ext uri="{FF2B5EF4-FFF2-40B4-BE49-F238E27FC236}">
-                <a16:creationId xmlns:a16="http://schemas.microsoft.com/office/drawing/2014/main" id="{1F52A716-5142-4987-84C0-078D1007C406}"/>
+                <a16:creationId xmlns:a16="http://schemas.microsoft.com/office/drawing/2014/main" xmlns="" id="{1F52A716-5142-4987-84C0-078D1007C406}"/>
               </a:ext>
             </a:extLst>
           </p:cNvPr>
@@ -12773,7 +12853,7 @@
           <p:cNvPr id="2" name="Slide Number Placeholder 1">
             <a:extLst>
               <a:ext uri="{FF2B5EF4-FFF2-40B4-BE49-F238E27FC236}">
-                <a16:creationId xmlns:a16="http://schemas.microsoft.com/office/drawing/2014/main" id="{3E25ECC2-AE88-4107-81E9-998FB5D48E4D}"/>
+                <a16:creationId xmlns:a16="http://schemas.microsoft.com/office/drawing/2014/main" xmlns="" id="{3E25ECC2-AE88-4107-81E9-998FB5D48E4D}"/>
               </a:ext>
             </a:extLst>
           </p:cNvPr>
@@ -12924,16 +13004,20 @@
           <a:p>
             <a:pPr lvl="2"/>
             <a:r>
+              <a:rPr lang="en-US" altLang="en-US" dirty="0" smtClean="0"/>
+              <a:t>(</a:t>
+            </a:r>
+            <a:r>
+              <a:rPr lang="en-US" altLang="en-US" dirty="0" err="1" smtClean="0"/>
+              <a:t>eg</a:t>
+            </a:r>
+            <a:r>
+              <a:rPr lang="en-US" altLang="en-US" dirty="0" smtClean="0"/>
+              <a:t> </a:t>
+            </a:r>
+            <a:r>
               <a:rPr lang="en-US" altLang="en-US" dirty="0"/>
-              <a:t>(</a:t>
-            </a:r>
-            <a:r>
-              <a:rPr lang="en-US" altLang="en-US" dirty="0" err="1"/>
-              <a:t>ie</a:t>
-            </a:r>
-            <a:r>
-              <a:rPr lang="en-US" altLang="en-US" dirty="0"/>
-              <a:t> like a substitution on very big characters - 64-bits or more) </a:t>
+              <a:t>like a substitution on very big characters - 64-bits or more) </a:t>
             </a:r>
           </a:p>
           <a:p>
@@ -12968,7 +13052,7 @@
           <p:cNvPr id="3" name="Slide Number Placeholder 2">
             <a:extLst>
               <a:ext uri="{FF2B5EF4-FFF2-40B4-BE49-F238E27FC236}">
-                <a16:creationId xmlns:a16="http://schemas.microsoft.com/office/drawing/2014/main" id="{F0B2BB23-E535-4973-B5F1-D52B97DEF2A8}"/>
+                <a16:creationId xmlns:a16="http://schemas.microsoft.com/office/drawing/2014/main" xmlns="" id="{F0B2BB23-E535-4973-B5F1-D52B97DEF2A8}"/>
               </a:ext>
             </a:extLst>
           </p:cNvPr>
@@ -13138,7 +13222,7 @@
           <p:cNvPr id="3" name="Slide Number Placeholder 2">
             <a:extLst>
               <a:ext uri="{FF2B5EF4-FFF2-40B4-BE49-F238E27FC236}">
-                <a16:creationId xmlns:a16="http://schemas.microsoft.com/office/drawing/2014/main" id="{069D3E7F-59B7-4913-B806-82A30A510D2A}"/>
+                <a16:creationId xmlns:a16="http://schemas.microsoft.com/office/drawing/2014/main" xmlns="" id="{069D3E7F-59B7-4913-B806-82A30A510D2A}"/>
               </a:ext>
             </a:extLst>
           </p:cNvPr>
@@ -13201,7 +13285,7 @@
           <p:cNvPr id="2" name="Title 1">
             <a:extLst>
               <a:ext uri="{FF2B5EF4-FFF2-40B4-BE49-F238E27FC236}">
-                <a16:creationId xmlns:a16="http://schemas.microsoft.com/office/drawing/2014/main" id="{23B3B18C-0048-4EA1-BA55-F5EF1A5AF8E2}"/>
+                <a16:creationId xmlns:a16="http://schemas.microsoft.com/office/drawing/2014/main" xmlns="" id="{23B3B18C-0048-4EA1-BA55-F5EF1A5AF8E2}"/>
               </a:ext>
             </a:extLst>
           </p:cNvPr>
@@ -13229,7 +13313,7 @@
           <p:cNvPr id="3" name="Content Placeholder 2">
             <a:extLst>
               <a:ext uri="{FF2B5EF4-FFF2-40B4-BE49-F238E27FC236}">
-                <a16:creationId xmlns:a16="http://schemas.microsoft.com/office/drawing/2014/main" id="{3DCD0376-15C0-42FC-8853-33AE0E68EB9B}"/>
+                <a16:creationId xmlns:a16="http://schemas.microsoft.com/office/drawing/2014/main" xmlns="" id="{3DCD0376-15C0-42FC-8853-33AE0E68EB9B}"/>
               </a:ext>
             </a:extLst>
           </p:cNvPr>
@@ -13332,7 +13416,7 @@
           <p:cNvPr id="4" name="Slide Number Placeholder 3">
             <a:extLst>
               <a:ext uri="{FF2B5EF4-FFF2-40B4-BE49-F238E27FC236}">
-                <a16:creationId xmlns:a16="http://schemas.microsoft.com/office/drawing/2014/main" id="{FB4AB707-D599-42D3-BD44-1D6250960441}"/>
+                <a16:creationId xmlns:a16="http://schemas.microsoft.com/office/drawing/2014/main" xmlns="" id="{FB4AB707-D599-42D3-BD44-1D6250960441}"/>
               </a:ext>
             </a:extLst>
           </p:cNvPr>
@@ -13400,7 +13484,7 @@
           <p:cNvPr id="2" name="Title 1">
             <a:extLst>
               <a:ext uri="{FF2B5EF4-FFF2-40B4-BE49-F238E27FC236}">
-                <a16:creationId xmlns:a16="http://schemas.microsoft.com/office/drawing/2014/main" id="{FDD48D43-7DA4-458C-8AB8-5A85F55D9E78}"/>
+                <a16:creationId xmlns:a16="http://schemas.microsoft.com/office/drawing/2014/main" xmlns="" id="{FDD48D43-7DA4-458C-8AB8-5A85F55D9E78}"/>
               </a:ext>
             </a:extLst>
           </p:cNvPr>
@@ -13428,7 +13512,7 @@
           <p:cNvPr id="3" name="Content Placeholder 2">
             <a:extLst>
               <a:ext uri="{FF2B5EF4-FFF2-40B4-BE49-F238E27FC236}">
-                <a16:creationId xmlns:a16="http://schemas.microsoft.com/office/drawing/2014/main" id="{2DA7926C-7101-4473-9AE2-7224D1F3B63C}"/>
+                <a16:creationId xmlns:a16="http://schemas.microsoft.com/office/drawing/2014/main" xmlns="" id="{2DA7926C-7101-4473-9AE2-7224D1F3B63C}"/>
               </a:ext>
             </a:extLst>
           </p:cNvPr>
@@ -13580,7 +13664,7 @@
           <p:cNvPr id="4" name="Slide Number Placeholder 3">
             <a:extLst>
               <a:ext uri="{FF2B5EF4-FFF2-40B4-BE49-F238E27FC236}">
-                <a16:creationId xmlns:a16="http://schemas.microsoft.com/office/drawing/2014/main" id="{A8E0D9A9-8E9A-4182-8D1A-8CD22D4434EB}"/>
+                <a16:creationId xmlns:a16="http://schemas.microsoft.com/office/drawing/2014/main" xmlns="" id="{A8E0D9A9-8E9A-4182-8D1A-8CD22D4434EB}"/>
               </a:ext>
             </a:extLst>
           </p:cNvPr>
@@ -13648,7 +13732,7 @@
           <p:cNvPr id="2" name="Title 1">
             <a:extLst>
               <a:ext uri="{FF2B5EF4-FFF2-40B4-BE49-F238E27FC236}">
-                <a16:creationId xmlns:a16="http://schemas.microsoft.com/office/drawing/2014/main" id="{BC83EC9F-0642-4B21-8775-C819293B85F0}"/>
+                <a16:creationId xmlns:a16="http://schemas.microsoft.com/office/drawing/2014/main" xmlns="" id="{BC83EC9F-0642-4B21-8775-C819293B85F0}"/>
               </a:ext>
             </a:extLst>
           </p:cNvPr>
@@ -13676,7 +13760,7 @@
           <p:cNvPr id="3" name="Content Placeholder 2">
             <a:extLst>
               <a:ext uri="{FF2B5EF4-FFF2-40B4-BE49-F238E27FC236}">
-                <a16:creationId xmlns:a16="http://schemas.microsoft.com/office/drawing/2014/main" id="{C11E0125-1462-42CA-B9EA-E119F0B50DAC}"/>
+                <a16:creationId xmlns:a16="http://schemas.microsoft.com/office/drawing/2014/main" xmlns="" id="{C11E0125-1462-42CA-B9EA-E119F0B50DAC}"/>
               </a:ext>
             </a:extLst>
           </p:cNvPr>
@@ -13827,7 +13911,7 @@
           <p:cNvPr id="4" name="Slide Number Placeholder 3">
             <a:extLst>
               <a:ext uri="{FF2B5EF4-FFF2-40B4-BE49-F238E27FC236}">
-                <a16:creationId xmlns:a16="http://schemas.microsoft.com/office/drawing/2014/main" id="{544AB783-5790-45D0-B75E-4267EB62169A}"/>
+                <a16:creationId xmlns:a16="http://schemas.microsoft.com/office/drawing/2014/main" xmlns="" id="{544AB783-5790-45D0-B75E-4267EB62169A}"/>
               </a:ext>
             </a:extLst>
           </p:cNvPr>

--- a/Network-Security/Module_2 Cryptography/Lesson_2_Crypto_Symmetric.pptx
+++ b/Network-Security/Module_2 Cryptography/Lesson_2_Crypto_Symmetric.pptx
@@ -53,7 +53,7 @@
     <p:sldId id="374" r:id="rId44"/>
     <p:sldId id="375" r:id="rId45"/>
     <p:sldId id="376" r:id="rId46"/>
-    <p:sldId id="333" r:id="rId47"/>
+    <p:sldId id="382" r:id="rId47"/>
   </p:sldIdLst>
   <p:sldSz cx="9144000" cy="6858000" type="screen4x3"/>
   <p:notesSz cx="7315200" cy="9601200"/>
@@ -313,7 +313,7 @@
               <a:pPr>
                 <a:defRPr/>
               </a:pPr>
-              <a:t>4/21/18</a:t>
+              <a:t>4/24/18</a:t>
             </a:fld>
             <a:endParaRPr lang="en-US"/>
           </a:p>
@@ -918,7 +918,7 @@
     </p:spTree>
     <p:extLst>
       <p:ext uri="{BB962C8B-B14F-4D97-AF65-F5344CB8AC3E}">
-        <p14:creationId xmlns:p14="http://schemas.microsoft.com/office/powerpoint/2010/main" val="2433617412"/>
+        <p14:creationId xmlns:p14="http://schemas.microsoft.com/office/powerpoint/2010/main" val="1460259106"/>
       </p:ext>
     </p:extLst>
   </p:cSld>
@@ -2882,7 +2882,7 @@
           <p:cNvPr id="2" name="Title 1">
             <a:extLst>
               <a:ext uri="{FF2B5EF4-FFF2-40B4-BE49-F238E27FC236}">
-                <a16:creationId xmlns:a16="http://schemas.microsoft.com/office/drawing/2014/main" xmlns="" id="{5C287DE2-E1A2-4F41-96FE-94AF4425CB03}"/>
+                <a16:creationId xmlns="" xmlns:a16="http://schemas.microsoft.com/office/drawing/2014/main" id="{5C287DE2-E1A2-4F41-96FE-94AF4425CB03}"/>
               </a:ext>
             </a:extLst>
           </p:cNvPr>
@@ -3028,7 +3028,7 @@
           <p:cNvPr id="3" name="Slide Number Placeholder 2">
             <a:extLst>
               <a:ext uri="{FF2B5EF4-FFF2-40B4-BE49-F238E27FC236}">
-                <a16:creationId xmlns:a16="http://schemas.microsoft.com/office/drawing/2014/main" xmlns="" id="{7D2FFADE-E1BC-48C1-83AA-6DDDD39A33C4}"/>
+                <a16:creationId xmlns="" xmlns:a16="http://schemas.microsoft.com/office/drawing/2014/main" id="{7D2FFADE-E1BC-48C1-83AA-6DDDD39A33C4}"/>
               </a:ext>
             </a:extLst>
           </p:cNvPr>
@@ -3063,7 +3063,7 @@
           <p:cNvPr id="9" name="Picture 8">
             <a:extLst>
               <a:ext uri="{FF2B5EF4-FFF2-40B4-BE49-F238E27FC236}">
-                <a16:creationId xmlns:a16="http://schemas.microsoft.com/office/drawing/2014/main" xmlns="" id="{9CBFC76A-A606-42CF-BCDF-C73975C150B9}"/>
+                <a16:creationId xmlns="" xmlns:a16="http://schemas.microsoft.com/office/drawing/2014/main" id="{9CBFC76A-A606-42CF-BCDF-C73975C150B9}"/>
               </a:ext>
             </a:extLst>
           </p:cNvPr>
@@ -4198,7 +4198,7 @@
           <p:cNvPr id="3" name="Slide Number Placeholder 2">
             <a:extLst>
               <a:ext uri="{FF2B5EF4-FFF2-40B4-BE49-F238E27FC236}">
-                <a16:creationId xmlns:a16="http://schemas.microsoft.com/office/drawing/2014/main" xmlns="" id="{B733AA89-774D-4E04-86A0-1149ACF1B89D}"/>
+                <a16:creationId xmlns="" xmlns:a16="http://schemas.microsoft.com/office/drawing/2014/main" id="{B733AA89-774D-4E04-86A0-1149ACF1B89D}"/>
               </a:ext>
             </a:extLst>
           </p:cNvPr>
@@ -4331,7 +4331,7 @@
           <p:cNvPr id="3" name="Slide Number Placeholder 2">
             <a:extLst>
               <a:ext uri="{FF2B5EF4-FFF2-40B4-BE49-F238E27FC236}">
-                <a16:creationId xmlns:a16="http://schemas.microsoft.com/office/drawing/2014/main" xmlns="" id="{4DED4E0E-F30D-4471-9BEC-000BDE21C38A}"/>
+                <a16:creationId xmlns="" xmlns:a16="http://schemas.microsoft.com/office/drawing/2014/main" id="{4DED4E0E-F30D-4471-9BEC-000BDE21C38A}"/>
               </a:ext>
             </a:extLst>
           </p:cNvPr>
@@ -4489,7 +4489,7 @@
           <p:cNvPr id="3" name="Slide Number Placeholder 2">
             <a:extLst>
               <a:ext uri="{FF2B5EF4-FFF2-40B4-BE49-F238E27FC236}">
-                <a16:creationId xmlns:a16="http://schemas.microsoft.com/office/drawing/2014/main" xmlns="" id="{443D2422-97C3-4E03-8D3E-06AF1C36FEB2}"/>
+                <a16:creationId xmlns="" xmlns:a16="http://schemas.microsoft.com/office/drawing/2014/main" id="{443D2422-97C3-4E03-8D3E-06AF1C36FEB2}"/>
               </a:ext>
             </a:extLst>
           </p:cNvPr>
@@ -4631,7 +4631,7 @@
           <p:cNvPr id="3" name="Slide Number Placeholder 2">
             <a:extLst>
               <a:ext uri="{FF2B5EF4-FFF2-40B4-BE49-F238E27FC236}">
-                <a16:creationId xmlns:a16="http://schemas.microsoft.com/office/drawing/2014/main" xmlns="" id="{67436A4F-0FDF-4A7D-9FA0-A1C80DBD0707}"/>
+                <a16:creationId xmlns="" xmlns:a16="http://schemas.microsoft.com/office/drawing/2014/main" id="{67436A4F-0FDF-4A7D-9FA0-A1C80DBD0707}"/>
               </a:ext>
             </a:extLst>
           </p:cNvPr>
@@ -4778,7 +4778,7 @@
           <p:cNvPr id="3" name="Slide Number Placeholder 2">
             <a:extLst>
               <a:ext uri="{FF2B5EF4-FFF2-40B4-BE49-F238E27FC236}">
-                <a16:creationId xmlns:a16="http://schemas.microsoft.com/office/drawing/2014/main" xmlns="" id="{643A1247-105C-4516-9A31-F2792A10C353}"/>
+                <a16:creationId xmlns="" xmlns:a16="http://schemas.microsoft.com/office/drawing/2014/main" id="{643A1247-105C-4516-9A31-F2792A10C353}"/>
               </a:ext>
             </a:extLst>
           </p:cNvPr>
@@ -4935,7 +4935,7 @@
           <p:cNvPr id="3" name="Slide Number Placeholder 2">
             <a:extLst>
               <a:ext uri="{FF2B5EF4-FFF2-40B4-BE49-F238E27FC236}">
-                <a16:creationId xmlns:a16="http://schemas.microsoft.com/office/drawing/2014/main" xmlns="" id="{0455D858-6F04-4F47-B4B0-24312675366A}"/>
+                <a16:creationId xmlns="" xmlns:a16="http://schemas.microsoft.com/office/drawing/2014/main" id="{0455D858-6F04-4F47-B4B0-24312675366A}"/>
               </a:ext>
             </a:extLst>
           </p:cNvPr>
@@ -5058,7 +5058,7 @@
           <p:cNvPr id="3" name="Slide Number Placeholder 2">
             <a:extLst>
               <a:ext uri="{FF2B5EF4-FFF2-40B4-BE49-F238E27FC236}">
-                <a16:creationId xmlns:a16="http://schemas.microsoft.com/office/drawing/2014/main" xmlns="" id="{FAEEDBED-731C-4CD1-9C0D-D0139E26EC9E}"/>
+                <a16:creationId xmlns="" xmlns:a16="http://schemas.microsoft.com/office/drawing/2014/main" id="{FAEEDBED-731C-4CD1-9C0D-D0139E26EC9E}"/>
               </a:ext>
             </a:extLst>
           </p:cNvPr>
@@ -5191,7 +5191,7 @@
           <p:cNvPr id="3" name="Slide Number Placeholder 2">
             <a:extLst>
               <a:ext uri="{FF2B5EF4-FFF2-40B4-BE49-F238E27FC236}">
-                <a16:creationId xmlns:a16="http://schemas.microsoft.com/office/drawing/2014/main" xmlns="" id="{965DA980-BB41-4DFB-8F4C-CA99BC5454F6}"/>
+                <a16:creationId xmlns="" xmlns:a16="http://schemas.microsoft.com/office/drawing/2014/main" id="{965DA980-BB41-4DFB-8F4C-CA99BC5454F6}"/>
               </a:ext>
             </a:extLst>
           </p:cNvPr>
@@ -5337,7 +5337,7 @@
           <p:cNvPr id="3" name="Slide Number Placeholder 2">
             <a:extLst>
               <a:ext uri="{FF2B5EF4-FFF2-40B4-BE49-F238E27FC236}">
-                <a16:creationId xmlns:a16="http://schemas.microsoft.com/office/drawing/2014/main" xmlns="" id="{FCF6887A-B96A-433E-9BBE-44C313D13B33}"/>
+                <a16:creationId xmlns="" xmlns:a16="http://schemas.microsoft.com/office/drawing/2014/main" id="{FCF6887A-B96A-433E-9BBE-44C313D13B33}"/>
               </a:ext>
             </a:extLst>
           </p:cNvPr>
@@ -5488,7 +5488,7 @@
           <p:cNvPr id="3" name="Slide Number Placeholder 2">
             <a:extLst>
               <a:ext uri="{FF2B5EF4-FFF2-40B4-BE49-F238E27FC236}">
-                <a16:creationId xmlns:a16="http://schemas.microsoft.com/office/drawing/2014/main" xmlns="" id="{6C5505C9-B9AA-4B93-859B-F089026C7A6D}"/>
+                <a16:creationId xmlns="" xmlns:a16="http://schemas.microsoft.com/office/drawing/2014/main" id="{6C5505C9-B9AA-4B93-859B-F089026C7A6D}"/>
               </a:ext>
             </a:extLst>
           </p:cNvPr>
@@ -5551,7 +5551,7 @@
           <p:cNvPr id="2" name="Title 1">
             <a:extLst>
               <a:ext uri="{FF2B5EF4-FFF2-40B4-BE49-F238E27FC236}">
-                <a16:creationId xmlns:a16="http://schemas.microsoft.com/office/drawing/2014/main" xmlns="" id="{4FDDDE79-84CD-4BD4-8191-64CD17F70EB2}"/>
+                <a16:creationId xmlns="" xmlns:a16="http://schemas.microsoft.com/office/drawing/2014/main" id="{4FDDDE79-84CD-4BD4-8191-64CD17F70EB2}"/>
               </a:ext>
             </a:extLst>
           </p:cNvPr>
@@ -5569,11 +5569,7 @@
           <a:p>
             <a:r>
               <a:rPr lang="en-US" dirty="0" smtClean="0"/>
-              <a:t>Cryptography</a:t>
-            </a:r>
-            <a:r>
-              <a:rPr lang="en-US" dirty="0" smtClean="0"/>
-              <a:t> </a:t>
+              <a:t>Cryptography </a:t>
             </a:r>
             <a:r>
               <a:rPr lang="en-US" dirty="0"/>
@@ -5587,7 +5583,7 @@
           <p:cNvPr id="3" name="Content Placeholder 2">
             <a:extLst>
               <a:ext uri="{FF2B5EF4-FFF2-40B4-BE49-F238E27FC236}">
-                <a16:creationId xmlns:a16="http://schemas.microsoft.com/office/drawing/2014/main" xmlns="" id="{1E11D7D9-AFF5-4F1C-A116-5D460DCCEF0D}"/>
+                <a16:creationId xmlns="" xmlns:a16="http://schemas.microsoft.com/office/drawing/2014/main" id="{1E11D7D9-AFF5-4F1C-A116-5D460DCCEF0D}"/>
               </a:ext>
             </a:extLst>
           </p:cNvPr>
@@ -5665,7 +5661,7 @@
           <p:cNvPr id="4" name="Slide Number Placeholder 3">
             <a:extLst>
               <a:ext uri="{FF2B5EF4-FFF2-40B4-BE49-F238E27FC236}">
-                <a16:creationId xmlns:a16="http://schemas.microsoft.com/office/drawing/2014/main" xmlns="" id="{95BCECBD-F96D-47DA-9A6D-248B240ABC8D}"/>
+                <a16:creationId xmlns="" xmlns:a16="http://schemas.microsoft.com/office/drawing/2014/main" id="{95BCECBD-F96D-47DA-9A6D-248B240ABC8D}"/>
               </a:ext>
             </a:extLst>
           </p:cNvPr>
@@ -5800,7 +5796,7 @@
           <p:cNvPr id="3" name="Slide Number Placeholder 2">
             <a:extLst>
               <a:ext uri="{FF2B5EF4-FFF2-40B4-BE49-F238E27FC236}">
-                <a16:creationId xmlns:a16="http://schemas.microsoft.com/office/drawing/2014/main" xmlns="" id="{66DC82DA-C9B1-41C5-B398-D3CE6A73EF64}"/>
+                <a16:creationId xmlns="" xmlns:a16="http://schemas.microsoft.com/office/drawing/2014/main" id="{66DC82DA-C9B1-41C5-B398-D3CE6A73EF64}"/>
               </a:ext>
             </a:extLst>
           </p:cNvPr>
@@ -5984,7 +5980,7 @@
           <p:cNvPr id="3" name="Slide Number Placeholder 2">
             <a:extLst>
               <a:ext uri="{FF2B5EF4-FFF2-40B4-BE49-F238E27FC236}">
-                <a16:creationId xmlns:a16="http://schemas.microsoft.com/office/drawing/2014/main" xmlns="" id="{22326D65-7DCF-4774-B474-20962DFA8552}"/>
+                <a16:creationId xmlns="" xmlns:a16="http://schemas.microsoft.com/office/drawing/2014/main" id="{22326D65-7DCF-4774-B474-20962DFA8552}"/>
               </a:ext>
             </a:extLst>
           </p:cNvPr>
@@ -6137,7 +6133,7 @@
           <p:cNvPr id="3" name="Slide Number Placeholder 2">
             <a:extLst>
               <a:ext uri="{FF2B5EF4-FFF2-40B4-BE49-F238E27FC236}">
-                <a16:creationId xmlns:a16="http://schemas.microsoft.com/office/drawing/2014/main" xmlns="" id="{68F73406-0830-4AB8-AB66-761475EFD441}"/>
+                <a16:creationId xmlns="" xmlns:a16="http://schemas.microsoft.com/office/drawing/2014/main" id="{68F73406-0830-4AB8-AB66-761475EFD441}"/>
               </a:ext>
             </a:extLst>
           </p:cNvPr>
@@ -6274,7 +6270,7 @@
           <p:cNvPr id="3" name="Slide Number Placeholder 2">
             <a:extLst>
               <a:ext uri="{FF2B5EF4-FFF2-40B4-BE49-F238E27FC236}">
-                <a16:creationId xmlns:a16="http://schemas.microsoft.com/office/drawing/2014/main" xmlns="" id="{C2671927-5B55-4222-AF32-15FEB7215774}"/>
+                <a16:creationId xmlns="" xmlns:a16="http://schemas.microsoft.com/office/drawing/2014/main" id="{C2671927-5B55-4222-AF32-15FEB7215774}"/>
               </a:ext>
             </a:extLst>
           </p:cNvPr>
@@ -6404,7 +6400,7 @@
           <p:cNvPr id="3" name="Slide Number Placeholder 2">
             <a:extLst>
               <a:ext uri="{FF2B5EF4-FFF2-40B4-BE49-F238E27FC236}">
-                <a16:creationId xmlns:a16="http://schemas.microsoft.com/office/drawing/2014/main" xmlns="" id="{EEC1682D-B712-4EC6-B798-ED8746C513BC}"/>
+                <a16:creationId xmlns="" xmlns:a16="http://schemas.microsoft.com/office/drawing/2014/main" id="{EEC1682D-B712-4EC6-B798-ED8746C513BC}"/>
               </a:ext>
             </a:extLst>
           </p:cNvPr>
@@ -6567,7 +6563,7 @@
           <p:cNvPr id="3" name="Slide Number Placeholder 2">
             <a:extLst>
               <a:ext uri="{FF2B5EF4-FFF2-40B4-BE49-F238E27FC236}">
-                <a16:creationId xmlns:a16="http://schemas.microsoft.com/office/drawing/2014/main" xmlns="" id="{E422FBAE-5B35-440C-83C1-A599AC3477C0}"/>
+                <a16:creationId xmlns="" xmlns:a16="http://schemas.microsoft.com/office/drawing/2014/main" id="{E422FBAE-5B35-440C-83C1-A599AC3477C0}"/>
               </a:ext>
             </a:extLst>
           </p:cNvPr>
@@ -6692,7 +6688,7 @@
           <p:cNvPr id="3" name="Slide Number Placeholder 2">
             <a:extLst>
               <a:ext uri="{FF2B5EF4-FFF2-40B4-BE49-F238E27FC236}">
-                <a16:creationId xmlns:a16="http://schemas.microsoft.com/office/drawing/2014/main" xmlns="" id="{CBBBB75F-76E5-4FDA-BFC7-1908DA6650B8}"/>
+                <a16:creationId xmlns="" xmlns:a16="http://schemas.microsoft.com/office/drawing/2014/main" id="{CBBBB75F-76E5-4FDA-BFC7-1908DA6650B8}"/>
               </a:ext>
             </a:extLst>
           </p:cNvPr>
@@ -6755,7 +6751,7 @@
           <p:cNvPr id="7" name="Group 6" descr="This diagram show the DES structure. This is the same as the Fiestle stucture except give details for key generation and F-box. There are 16 rounds.&#10;&#10;DES assumes 64 bit key (8 characteers each with a parity bit) so 56 effective bits. These bits are shifted and 48 of them are selected and prmuted at each stage.&#10;&#10;The F box expands the 32 bit right half into 48 bits and combines tieh key, then sends through s-boxes and a permutation. Then 32 of these bits are exclusive or'd with the 32 bit left half.&#10;&#10;At beginning and end of DES the input/output are permuted outside the fiestle structure. &#10;" title="Diagram of DES">
             <a:extLst>
               <a:ext uri="{FF2B5EF4-FFF2-40B4-BE49-F238E27FC236}">
-                <a16:creationId xmlns:a16="http://schemas.microsoft.com/office/drawing/2014/main" xmlns="" id="{CA832A1B-5F48-494F-9529-96E8459D8CCC}"/>
+                <a16:creationId xmlns="" xmlns:a16="http://schemas.microsoft.com/office/drawing/2014/main" id="{CA832A1B-5F48-494F-9529-96E8459D8CCC}"/>
               </a:ext>
             </a:extLst>
           </p:cNvPr>
@@ -9720,7 +9716,7 @@
           <p:cNvPr id="8" name="Title 7">
             <a:extLst>
               <a:ext uri="{FF2B5EF4-FFF2-40B4-BE49-F238E27FC236}">
-                <a16:creationId xmlns:a16="http://schemas.microsoft.com/office/drawing/2014/main" xmlns="" id="{F7F7CD32-D832-4A99-A66E-DE907616F31E}"/>
+                <a16:creationId xmlns="" xmlns:a16="http://schemas.microsoft.com/office/drawing/2014/main" id="{F7F7CD32-D832-4A99-A66E-DE907616F31E}"/>
               </a:ext>
             </a:extLst>
           </p:cNvPr>
@@ -9753,7 +9749,7 @@
           <p:cNvPr id="3" name="Slide Number Placeholder 2">
             <a:extLst>
               <a:ext uri="{FF2B5EF4-FFF2-40B4-BE49-F238E27FC236}">
-                <a16:creationId xmlns:a16="http://schemas.microsoft.com/office/drawing/2014/main" xmlns="" id="{7255880D-C3E6-47BB-A821-93CD6FF8C15F}"/>
+                <a16:creationId xmlns="" xmlns:a16="http://schemas.microsoft.com/office/drawing/2014/main" id="{7255880D-C3E6-47BB-A821-93CD6FF8C15F}"/>
               </a:ext>
             </a:extLst>
           </p:cNvPr>
@@ -9886,7 +9882,7 @@
           <p:cNvPr id="3" name="Slide Number Placeholder 2">
             <a:extLst>
               <a:ext uri="{FF2B5EF4-FFF2-40B4-BE49-F238E27FC236}">
-                <a16:creationId xmlns:a16="http://schemas.microsoft.com/office/drawing/2014/main" xmlns="" id="{ED72F878-42F5-4561-8D2E-E6CF05F1572B}"/>
+                <a16:creationId xmlns="" xmlns:a16="http://schemas.microsoft.com/office/drawing/2014/main" id="{ED72F878-42F5-4561-8D2E-E6CF05F1572B}"/>
               </a:ext>
             </a:extLst>
           </p:cNvPr>
@@ -10035,7 +10031,7 @@
           <p:cNvPr id="3" name="Slide Number Placeholder 2">
             <a:extLst>
               <a:ext uri="{FF2B5EF4-FFF2-40B4-BE49-F238E27FC236}">
-                <a16:creationId xmlns:a16="http://schemas.microsoft.com/office/drawing/2014/main" xmlns="" id="{97F6CBAF-E832-4D81-8FED-3C80F92BABF5}"/>
+                <a16:creationId xmlns="" xmlns:a16="http://schemas.microsoft.com/office/drawing/2014/main" id="{97F6CBAF-E832-4D81-8FED-3C80F92BABF5}"/>
               </a:ext>
             </a:extLst>
           </p:cNvPr>
@@ -10176,7 +10172,7 @@
           <p:cNvPr id="3" name="Slide Number Placeholder 2">
             <a:extLst>
               <a:ext uri="{FF2B5EF4-FFF2-40B4-BE49-F238E27FC236}">
-                <a16:creationId xmlns:a16="http://schemas.microsoft.com/office/drawing/2014/main" xmlns="" id="{0B1163B0-19D9-4859-8B88-CD4B646011C3}"/>
+                <a16:creationId xmlns="" xmlns:a16="http://schemas.microsoft.com/office/drawing/2014/main" id="{0B1163B0-19D9-4859-8B88-CD4B646011C3}"/>
               </a:ext>
             </a:extLst>
           </p:cNvPr>
@@ -10333,7 +10329,7 @@
           <p:cNvPr id="3" name="Slide Number Placeholder 2">
             <a:extLst>
               <a:ext uri="{FF2B5EF4-FFF2-40B4-BE49-F238E27FC236}">
-                <a16:creationId xmlns:a16="http://schemas.microsoft.com/office/drawing/2014/main" xmlns="" id="{36E450F3-426A-4954-B2D3-732DAD5CACED}"/>
+                <a16:creationId xmlns="" xmlns:a16="http://schemas.microsoft.com/office/drawing/2014/main" id="{36E450F3-426A-4954-B2D3-732DAD5CACED}"/>
               </a:ext>
             </a:extLst>
           </p:cNvPr>
@@ -10467,7 +10463,7 @@
           <p:cNvPr id="3" name="Slide Number Placeholder 2">
             <a:extLst>
               <a:ext uri="{FF2B5EF4-FFF2-40B4-BE49-F238E27FC236}">
-                <a16:creationId xmlns:a16="http://schemas.microsoft.com/office/drawing/2014/main" xmlns="" id="{2BB816FA-37E2-4536-8CC4-CDE697B2897E}"/>
+                <a16:creationId xmlns="" xmlns:a16="http://schemas.microsoft.com/office/drawing/2014/main" id="{2BB816FA-37E2-4536-8CC4-CDE697B2897E}"/>
               </a:ext>
             </a:extLst>
           </p:cNvPr>
@@ -10606,7 +10602,7 @@
           <p:cNvPr id="3" name="Slide Number Placeholder 2">
             <a:extLst>
               <a:ext uri="{FF2B5EF4-FFF2-40B4-BE49-F238E27FC236}">
-                <a16:creationId xmlns:a16="http://schemas.microsoft.com/office/drawing/2014/main" xmlns="" id="{EE77E4AE-DC3D-4DF8-B8DD-4C673E76501B}"/>
+                <a16:creationId xmlns="" xmlns:a16="http://schemas.microsoft.com/office/drawing/2014/main" id="{EE77E4AE-DC3D-4DF8-B8DD-4C673E76501B}"/>
               </a:ext>
             </a:extLst>
           </p:cNvPr>
@@ -10769,7 +10765,7 @@
           <p:cNvPr id="3" name="Slide Number Placeholder 2">
             <a:extLst>
               <a:ext uri="{FF2B5EF4-FFF2-40B4-BE49-F238E27FC236}">
-                <a16:creationId xmlns:a16="http://schemas.microsoft.com/office/drawing/2014/main" xmlns="" id="{069ED540-5600-4E8A-8464-1F4823D712CE}"/>
+                <a16:creationId xmlns="" xmlns:a16="http://schemas.microsoft.com/office/drawing/2014/main" id="{069ED540-5600-4E8A-8464-1F4823D712CE}"/>
               </a:ext>
             </a:extLst>
           </p:cNvPr>
@@ -10913,7 +10909,7 @@
           <p:cNvPr id="3" name="Slide Number Placeholder 2">
             <a:extLst>
               <a:ext uri="{FF2B5EF4-FFF2-40B4-BE49-F238E27FC236}">
-                <a16:creationId xmlns:a16="http://schemas.microsoft.com/office/drawing/2014/main" xmlns="" id="{504E60B6-BF25-49FA-969B-1A6E24C6DE65}"/>
+                <a16:creationId xmlns="" xmlns:a16="http://schemas.microsoft.com/office/drawing/2014/main" id="{504E60B6-BF25-49FA-969B-1A6E24C6DE65}"/>
               </a:ext>
             </a:extLst>
           </p:cNvPr>
@@ -11057,7 +11053,7 @@
           <p:cNvPr id="3" name="Slide Number Placeholder 2">
             <a:extLst>
               <a:ext uri="{FF2B5EF4-FFF2-40B4-BE49-F238E27FC236}">
-                <a16:creationId xmlns:a16="http://schemas.microsoft.com/office/drawing/2014/main" xmlns="" id="{98E845C7-5A00-4432-A721-A9A5127C2F72}"/>
+                <a16:creationId xmlns="" xmlns:a16="http://schemas.microsoft.com/office/drawing/2014/main" id="{98E845C7-5A00-4432-A721-A9A5127C2F72}"/>
               </a:ext>
             </a:extLst>
           </p:cNvPr>
@@ -11200,7 +11196,7 @@
           <p:cNvPr id="3" name="Slide Number Placeholder 2">
             <a:extLst>
               <a:ext uri="{FF2B5EF4-FFF2-40B4-BE49-F238E27FC236}">
-                <a16:creationId xmlns:a16="http://schemas.microsoft.com/office/drawing/2014/main" xmlns="" id="{8DF51E95-3CE3-4638-9E4C-AFD62C537B28}"/>
+                <a16:creationId xmlns="" xmlns:a16="http://schemas.microsoft.com/office/drawing/2014/main" id="{8DF51E95-3CE3-4638-9E4C-AFD62C537B28}"/>
               </a:ext>
             </a:extLst>
           </p:cNvPr>
@@ -11357,7 +11353,7 @@
           <p:cNvPr id="3" name="Slide Number Placeholder 2">
             <a:extLst>
               <a:ext uri="{FF2B5EF4-FFF2-40B4-BE49-F238E27FC236}">
-                <a16:creationId xmlns:a16="http://schemas.microsoft.com/office/drawing/2014/main" xmlns="" id="{F7F43E4F-422D-4C5E-9AB6-B93C25F302E7}"/>
+                <a16:creationId xmlns="" xmlns:a16="http://schemas.microsoft.com/office/drawing/2014/main" id="{F7F43E4F-422D-4C5E-9AB6-B93C25F302E7}"/>
               </a:ext>
             </a:extLst>
           </p:cNvPr>
@@ -11507,7 +11503,7 @@
           <p:cNvPr id="3" name="Slide Number Placeholder 2">
             <a:extLst>
               <a:ext uri="{FF2B5EF4-FFF2-40B4-BE49-F238E27FC236}">
-                <a16:creationId xmlns:a16="http://schemas.microsoft.com/office/drawing/2014/main" xmlns="" id="{9E42EDED-AF17-407B-92E8-01058771F656}"/>
+                <a16:creationId xmlns="" xmlns:a16="http://schemas.microsoft.com/office/drawing/2014/main" id="{9E42EDED-AF17-407B-92E8-01058771F656}"/>
               </a:ext>
             </a:extLst>
           </p:cNvPr>
@@ -11668,7 +11664,7 @@
           <p:cNvPr id="3" name="Slide Number Placeholder 2">
             <a:extLst>
               <a:ext uri="{FF2B5EF4-FFF2-40B4-BE49-F238E27FC236}">
-                <a16:creationId xmlns:a16="http://schemas.microsoft.com/office/drawing/2014/main" xmlns="" id="{7399DF59-CC06-4982-A762-A4D38968D119}"/>
+                <a16:creationId xmlns="" xmlns:a16="http://schemas.microsoft.com/office/drawing/2014/main" id="{7399DF59-CC06-4982-A762-A4D38968D119}"/>
               </a:ext>
             </a:extLst>
           </p:cNvPr>
@@ -11805,7 +11801,7 @@
           <p:cNvPr id="3" name="Slide Number Placeholder 2">
             <a:extLst>
               <a:ext uri="{FF2B5EF4-FFF2-40B4-BE49-F238E27FC236}">
-                <a16:creationId xmlns:a16="http://schemas.microsoft.com/office/drawing/2014/main" xmlns="" id="{87E5CB1E-851E-484F-AD89-C2C3D6A6230C}"/>
+                <a16:creationId xmlns="" xmlns:a16="http://schemas.microsoft.com/office/drawing/2014/main" id="{87E5CB1E-851E-484F-AD89-C2C3D6A6230C}"/>
               </a:ext>
             </a:extLst>
           </p:cNvPr>
@@ -11973,7 +11969,7 @@
           <p:cNvPr id="3" name="Slide Number Placeholder 2">
             <a:extLst>
               <a:ext uri="{FF2B5EF4-FFF2-40B4-BE49-F238E27FC236}">
-                <a16:creationId xmlns:a16="http://schemas.microsoft.com/office/drawing/2014/main" xmlns="" id="{E5C04254-CC57-4AB9-810C-39D1A56D88ED}"/>
+                <a16:creationId xmlns="" xmlns:a16="http://schemas.microsoft.com/office/drawing/2014/main" id="{E5C04254-CC57-4AB9-810C-39D1A56D88ED}"/>
               </a:ext>
             </a:extLst>
           </p:cNvPr>
@@ -12152,7 +12148,7 @@
           <p:cNvPr id="3" name="Slide Number Placeholder 2">
             <a:extLst>
               <a:ext uri="{FF2B5EF4-FFF2-40B4-BE49-F238E27FC236}">
-                <a16:creationId xmlns:a16="http://schemas.microsoft.com/office/drawing/2014/main" xmlns="" id="{C0290B46-BCCE-4BF8-8DD7-0E08742BE333}"/>
+                <a16:creationId xmlns="" xmlns:a16="http://schemas.microsoft.com/office/drawing/2014/main" id="{C0290B46-BCCE-4BF8-8DD7-0E08742BE333}"/>
               </a:ext>
             </a:extLst>
           </p:cNvPr>
@@ -12307,7 +12303,7 @@
           <p:cNvPr id="3" name="Slide Number Placeholder 2">
             <a:extLst>
               <a:ext uri="{FF2B5EF4-FFF2-40B4-BE49-F238E27FC236}">
-                <a16:creationId xmlns:a16="http://schemas.microsoft.com/office/drawing/2014/main" xmlns="" id="{697BABA9-B938-4297-8490-57EBEEA7E7EA}"/>
+                <a16:creationId xmlns="" xmlns:a16="http://schemas.microsoft.com/office/drawing/2014/main" id="{697BABA9-B938-4297-8490-57EBEEA7E7EA}"/>
               </a:ext>
             </a:extLst>
           </p:cNvPr>
@@ -12466,7 +12462,7 @@
           <p:cNvPr id="3" name="Slide Number Placeholder 2">
             <a:extLst>
               <a:ext uri="{FF2B5EF4-FFF2-40B4-BE49-F238E27FC236}">
-                <a16:creationId xmlns:a16="http://schemas.microsoft.com/office/drawing/2014/main" xmlns="" id="{D014DCE8-7325-4FC9-82FD-34D246F026B1}"/>
+                <a16:creationId xmlns="" xmlns:a16="http://schemas.microsoft.com/office/drawing/2014/main" id="{D014DCE8-7325-4FC9-82FD-34D246F026B1}"/>
               </a:ext>
             </a:extLst>
           </p:cNvPr>
@@ -12616,7 +12612,7 @@
           <p:cNvPr id="3" name="Slide Number Placeholder 2">
             <a:extLst>
               <a:ext uri="{FF2B5EF4-FFF2-40B4-BE49-F238E27FC236}">
-                <a16:creationId xmlns:a16="http://schemas.microsoft.com/office/drawing/2014/main" xmlns="" id="{B2DE45F7-7C6B-4350-9CBC-2DC97C3FF8EF}"/>
+                <a16:creationId xmlns="" xmlns:a16="http://schemas.microsoft.com/office/drawing/2014/main" id="{B2DE45F7-7C6B-4350-9CBC-2DC97C3FF8EF}"/>
               </a:ext>
             </a:extLst>
           </p:cNvPr>
@@ -12765,7 +12761,7 @@
           <p:cNvPr id="3" name="Slide Number Placeholder 2">
             <a:extLst>
               <a:ext uri="{FF2B5EF4-FFF2-40B4-BE49-F238E27FC236}">
-                <a16:creationId xmlns:a16="http://schemas.microsoft.com/office/drawing/2014/main" xmlns="" id="{7194008C-8C27-4630-A7D3-CD3BB5035F99}"/>
+                <a16:creationId xmlns="" xmlns:a16="http://schemas.microsoft.com/office/drawing/2014/main" id="{7194008C-8C27-4630-A7D3-CD3BB5035F99}"/>
               </a:ext>
             </a:extLst>
           </p:cNvPr>
@@ -12825,10 +12821,10 @@
       </p:grpSpPr>
       <p:sp>
         <p:nvSpPr>
-          <p:cNvPr id="11" name="Title 10">
+          <p:cNvPr id="7" name="Slide Number Placeholder 6">
             <a:extLst>
               <a:ext uri="{FF2B5EF4-FFF2-40B4-BE49-F238E27FC236}">
-                <a16:creationId xmlns:a16="http://schemas.microsoft.com/office/drawing/2014/main" xmlns="" id="{1F52A716-5142-4987-84C0-078D1007C406}"/>
+                <a16:creationId xmlns="" xmlns:a16="http://schemas.microsoft.com/office/drawing/2014/main" id="{27B55DC7-B95B-4807-B808-1E7A81E0F45A}"/>
               </a:ext>
             </a:extLst>
           </p:cNvPr>
@@ -12836,7 +12832,7 @@
             <a:spLocks noGrp="1"/>
           </p:cNvSpPr>
           <p:nvPr>
-            <p:ph type="title"/>
+            <p:ph type="sldNum" sz="quarter" idx="10"/>
           </p:nvPr>
         </p:nvSpPr>
         <p:spPr/>
@@ -12844,42 +12840,332 @@
           <a:bodyPr/>
           <a:lstStyle/>
           <a:p>
+            <a:fld id="{FB267019-40B7-405C-98B7-75F3216AFF79}" type="slidenum">
+              <a:rPr lang="en-US" smtClean="0"/>
+              <a:pPr/>
+              <a:t>46</a:t>
+            </a:fld>
             <a:endParaRPr lang="en-US" dirty="0"/>
           </a:p>
         </p:txBody>
       </p:sp>
       <p:sp>
         <p:nvSpPr>
-          <p:cNvPr id="2" name="Slide Number Placeholder 1">
+          <p:cNvPr id="19" name="Text Placeholder 7">
             <a:extLst>
               <a:ext uri="{FF2B5EF4-FFF2-40B4-BE49-F238E27FC236}">
-                <a16:creationId xmlns:a16="http://schemas.microsoft.com/office/drawing/2014/main" xmlns="" id="{3E25ECC2-AE88-4107-81E9-998FB5D48E4D}"/>
+                <a16:creationId xmlns="" xmlns:a16="http://schemas.microsoft.com/office/drawing/2014/main" id="{2785A2B3-FCF4-4D59-9841-12917D91B27A}"/>
               </a:ext>
             </a:extLst>
           </p:cNvPr>
-          <p:cNvSpPr>
-            <a:spLocks noGrp="1"/>
-          </p:cNvSpPr>
-          <p:nvPr>
-            <p:ph type="sldNum" sz="quarter" idx="10"/>
-          </p:nvPr>
-        </p:nvSpPr>
-        <p:spPr/>
-        <p:txBody>
-          <a:bodyPr/>
-          <a:lstStyle/>
-          <a:p>
-            <a:pPr>
-              <a:defRPr/>
-            </a:pPr>
-            <a:fld id="{FB267019-40B7-405C-98B7-75F3216AFF79}" type="slidenum">
-              <a:rPr lang="en-US" smtClean="0"/>
-              <a:pPr>
-                <a:defRPr/>
-              </a:pPr>
-              <a:t>46</a:t>
-            </a:fld>
+          <p:cNvSpPr txBox="1">
+            <a:spLocks/>
+          </p:cNvSpPr>
+          <p:nvPr/>
+        </p:nvSpPr>
+        <p:spPr>
+          <a:xfrm>
+            <a:off x="725683" y="871606"/>
+            <a:ext cx="7893050" cy="5114787"/>
+          </a:xfrm>
+          <a:prstGeom prst="rect">
+            <a:avLst/>
+          </a:prstGeom>
+        </p:spPr>
+        <p:txBody>
+          <a:bodyPr/>
+          <a:lstStyle>
+            <a:lvl1pPr marL="0" indent="0" algn="ctr" defTabSz="685800" rtl="0" eaLnBrk="0" fontAlgn="base" hangingPunct="0">
+              <a:lnSpc>
+                <a:spcPct val="90000"/>
+              </a:lnSpc>
+              <a:spcBef>
+                <a:spcPts val="750"/>
+              </a:spcBef>
+              <a:spcAft>
+                <a:spcPct val="0"/>
+              </a:spcAft>
+              <a:buFont typeface="Arial" charset="0"/>
+              <a:buNone/>
+              <a:defRPr sz="1800" kern="1200">
+                <a:solidFill>
+                  <a:schemeClr val="tx1"/>
+                </a:solidFill>
+                <a:latin typeface="+mn-lt"/>
+                <a:ea typeface="+mn-ea"/>
+                <a:cs typeface="+mn-cs"/>
+              </a:defRPr>
+            </a:lvl1pPr>
+            <a:lvl2pPr marL="514350" indent="-171450" algn="l" defTabSz="685800" rtl="0" eaLnBrk="0" fontAlgn="base" hangingPunct="0">
+              <a:lnSpc>
+                <a:spcPct val="90000"/>
+              </a:lnSpc>
+              <a:spcBef>
+                <a:spcPts val="375"/>
+              </a:spcBef>
+              <a:spcAft>
+                <a:spcPct val="0"/>
+              </a:spcAft>
+              <a:buFont typeface="Arial" charset="0"/>
+              <a:buChar char="•"/>
+              <a:defRPr sz="2400" kern="1200">
+                <a:solidFill>
+                  <a:schemeClr val="tx1"/>
+                </a:solidFill>
+                <a:latin typeface="+mn-lt"/>
+                <a:ea typeface="+mn-ea"/>
+                <a:cs typeface="+mn-cs"/>
+              </a:defRPr>
+            </a:lvl2pPr>
+            <a:lvl3pPr marL="857250" indent="-171450" algn="l" defTabSz="685800" rtl="0" eaLnBrk="0" fontAlgn="base" hangingPunct="0">
+              <a:lnSpc>
+                <a:spcPct val="90000"/>
+              </a:lnSpc>
+              <a:spcBef>
+                <a:spcPts val="375"/>
+              </a:spcBef>
+              <a:spcAft>
+                <a:spcPct val="0"/>
+              </a:spcAft>
+              <a:buFont typeface="Arial" charset="0"/>
+              <a:buChar char="•"/>
+              <a:defRPr sz="1800" kern="1200">
+                <a:solidFill>
+                  <a:schemeClr val="tx1"/>
+                </a:solidFill>
+                <a:latin typeface="+mn-lt"/>
+                <a:ea typeface="+mn-ea"/>
+                <a:cs typeface="+mn-cs"/>
+              </a:defRPr>
+            </a:lvl3pPr>
+            <a:lvl4pPr marL="1200150" indent="-171450" algn="l" defTabSz="685800" rtl="0" eaLnBrk="0" fontAlgn="base" hangingPunct="0">
+              <a:lnSpc>
+                <a:spcPct val="90000"/>
+              </a:lnSpc>
+              <a:spcBef>
+                <a:spcPts val="375"/>
+              </a:spcBef>
+              <a:spcAft>
+                <a:spcPct val="0"/>
+              </a:spcAft>
+              <a:buFont typeface="Arial" charset="0"/>
+              <a:buChar char="•"/>
+              <a:defRPr sz="1600" kern="1200">
+                <a:solidFill>
+                  <a:schemeClr val="tx1"/>
+                </a:solidFill>
+                <a:latin typeface="+mn-lt"/>
+                <a:ea typeface="+mn-ea"/>
+                <a:cs typeface="+mn-cs"/>
+              </a:defRPr>
+            </a:lvl4pPr>
+            <a:lvl5pPr marL="1543050" indent="-171450" algn="l" defTabSz="685800" rtl="0" eaLnBrk="0" fontAlgn="base" hangingPunct="0">
+              <a:lnSpc>
+                <a:spcPct val="90000"/>
+              </a:lnSpc>
+              <a:spcBef>
+                <a:spcPts val="375"/>
+              </a:spcBef>
+              <a:spcAft>
+                <a:spcPct val="0"/>
+              </a:spcAft>
+              <a:buFont typeface="Arial" charset="0"/>
+              <a:buChar char="•"/>
+              <a:defRPr sz="1600" kern="1200">
+                <a:solidFill>
+                  <a:schemeClr val="tx1"/>
+                </a:solidFill>
+                <a:latin typeface="+mn-lt"/>
+                <a:ea typeface="+mn-ea"/>
+                <a:cs typeface="+mn-cs"/>
+              </a:defRPr>
+            </a:lvl5pPr>
+            <a:lvl6pPr marL="1885950" indent="-171450" algn="l" defTabSz="685800" rtl="0" eaLnBrk="1" latinLnBrk="0" hangingPunct="1">
+              <a:lnSpc>
+                <a:spcPct val="90000"/>
+              </a:lnSpc>
+              <a:spcBef>
+                <a:spcPts val="375"/>
+              </a:spcBef>
+              <a:buFont typeface="Arial" panose="020B0604020202020204" pitchFamily="34" charset="0"/>
+              <a:buChar char="•"/>
+              <a:defRPr sz="1350" kern="1200">
+                <a:solidFill>
+                  <a:schemeClr val="tx1"/>
+                </a:solidFill>
+                <a:latin typeface="+mn-lt"/>
+                <a:ea typeface="+mn-ea"/>
+                <a:cs typeface="+mn-cs"/>
+              </a:defRPr>
+            </a:lvl6pPr>
+            <a:lvl7pPr marL="2228850" indent="-171450" algn="l" defTabSz="685800" rtl="0" eaLnBrk="1" latinLnBrk="0" hangingPunct="1">
+              <a:lnSpc>
+                <a:spcPct val="90000"/>
+              </a:lnSpc>
+              <a:spcBef>
+                <a:spcPts val="375"/>
+              </a:spcBef>
+              <a:buFont typeface="Arial" panose="020B0604020202020204" pitchFamily="34" charset="0"/>
+              <a:buChar char="•"/>
+              <a:defRPr sz="1350" kern="1200">
+                <a:solidFill>
+                  <a:schemeClr val="tx1"/>
+                </a:solidFill>
+                <a:latin typeface="+mn-lt"/>
+                <a:ea typeface="+mn-ea"/>
+                <a:cs typeface="+mn-cs"/>
+              </a:defRPr>
+            </a:lvl7pPr>
+            <a:lvl8pPr marL="2571750" indent="-171450" algn="l" defTabSz="685800" rtl="0" eaLnBrk="1" latinLnBrk="0" hangingPunct="1">
+              <a:lnSpc>
+                <a:spcPct val="90000"/>
+              </a:lnSpc>
+              <a:spcBef>
+                <a:spcPts val="375"/>
+              </a:spcBef>
+              <a:buFont typeface="Arial" panose="020B0604020202020204" pitchFamily="34" charset="0"/>
+              <a:buChar char="•"/>
+              <a:defRPr sz="1350" kern="1200">
+                <a:solidFill>
+                  <a:schemeClr val="tx1"/>
+                </a:solidFill>
+                <a:latin typeface="+mn-lt"/>
+                <a:ea typeface="+mn-ea"/>
+                <a:cs typeface="+mn-cs"/>
+              </a:defRPr>
+            </a:lvl8pPr>
+            <a:lvl9pPr marL="2914650" indent="-171450" algn="l" defTabSz="685800" rtl="0" eaLnBrk="1" latinLnBrk="0" hangingPunct="1">
+              <a:lnSpc>
+                <a:spcPct val="90000"/>
+              </a:lnSpc>
+              <a:spcBef>
+                <a:spcPts val="375"/>
+              </a:spcBef>
+              <a:buFont typeface="Arial" panose="020B0604020202020204" pitchFamily="34" charset="0"/>
+              <a:buChar char="•"/>
+              <a:defRPr sz="1350" kern="1200">
+                <a:solidFill>
+                  <a:schemeClr val="tx1"/>
+                </a:solidFill>
+                <a:latin typeface="+mn-lt"/>
+                <a:ea typeface="+mn-ea"/>
+                <a:cs typeface="+mn-cs"/>
+              </a:defRPr>
+            </a:lvl9pPr>
+          </a:lstStyle>
+          <a:p>
+            <a:r>
+              <a:rPr lang="en-US" dirty="0"/>
+              <a:t>Please attribute Dr. Jim Alves-Foss and Dr. Jia Song, University of Idaho</a:t>
+            </a:r>
+            <a:br>
+              <a:rPr lang="en-US" dirty="0"/>
+            </a:br>
+            <a:r>
+              <a:rPr lang="en-US" dirty="0"/>
+              <a:t/>
+            </a:r>
+            <a:br>
+              <a:rPr lang="en-US" dirty="0"/>
+            </a:br>
+            <a:r>
+              <a:rPr lang="en-US" dirty="0"/>
+              <a:t/>
+            </a:r>
+            <a:br>
+              <a:rPr lang="en-US" dirty="0"/>
+            </a:br>
+            <a:r>
+              <a:rPr lang="en-US" dirty="0"/>
+              <a:t/>
+            </a:r>
+            <a:br>
+              <a:rPr lang="en-US" dirty="0"/>
+            </a:br>
+            <a:r>
+              <a:rPr lang="en-US" dirty="0"/>
+              <a:t/>
+            </a:r>
+            <a:br>
+              <a:rPr lang="en-US" dirty="0"/>
+            </a:br>
+            <a:r>
+              <a:rPr lang="en-US" dirty="0"/>
+              <a:t/>
+            </a:r>
+            <a:br>
+              <a:rPr lang="en-US" dirty="0"/>
+            </a:br>
+            <a:r>
+              <a:rPr lang="en-US" dirty="0"/>
+              <a:t/>
+            </a:r>
+            <a:br>
+              <a:rPr lang="en-US" dirty="0"/>
+            </a:br>
+            <a:r>
+              <a:rPr lang="en-US" dirty="0"/>
+              <a:t/>
+            </a:r>
+            <a:br>
+              <a:rPr lang="en-US" dirty="0"/>
+            </a:br>
             <a:endParaRPr lang="en-US" dirty="0"/>
+          </a:p>
+          <a:p>
+            <a:r>
+              <a:rPr lang="en-US" sz="1600" dirty="0"/>
+              <a:t>Except where otherwise noted, this work is licensed under https://creativecommons.org/licenses/by-nc-sa/4.0/</a:t>
+            </a:r>
+            <a:br>
+              <a:rPr lang="en-US" sz="1600" dirty="0"/>
+            </a:br>
+            <a:r>
+              <a:rPr lang="en-US" sz="1600" dirty="0"/>
+              <a:t/>
+            </a:r>
+            <a:br>
+              <a:rPr lang="en-US" sz="1600" dirty="0"/>
+            </a:br>
+            <a:r>
+              <a:rPr lang="en-US" sz="1600" dirty="0"/>
+              <a:t>Not withstanding the non-commercial license terms, non-profit educational institutions are granted a non-exclusive license to adapt and use this material, with attribution.</a:t>
+            </a:r>
+            <a:br>
+              <a:rPr lang="en-US" sz="1600" dirty="0"/>
+            </a:br>
+            <a:r>
+              <a:rPr lang="en-US" sz="1600" dirty="0"/>
+              <a:t/>
+            </a:r>
+            <a:br>
+              <a:rPr lang="en-US" sz="1600" dirty="0"/>
+            </a:br>
+            <a:r>
+              <a:rPr lang="en-US" sz="1600" dirty="0"/>
+              <a:t>Creative Commons and the double C in a circle are registered trademarks of Creative commons in the United States and other countries. Third party marks and brands are the property of their respective holders</a:t>
+            </a:r>
+            <a:r>
+              <a:rPr lang="en-US" sz="1600" dirty="0" smtClean="0"/>
+              <a:t>.</a:t>
+            </a:r>
+          </a:p>
+          <a:p>
+            <a:r>
+              <a:rPr lang="en-US" sz="1600" dirty="0"/>
+              <a:t>Project sponsored by the National Security Agency under grant Number </a:t>
+            </a:r>
+            <a:r>
+              <a:rPr lang="en-US" sz="1600" dirty="0" smtClean="0"/>
+              <a:t>H98230-17-1-0199. The </a:t>
+            </a:r>
+            <a:r>
+              <a:rPr lang="en-US" sz="1600" dirty="0"/>
+              <a:t>United States Government is authorized to reproduce and distribute reprints notwithstanding any copyright notation herein.</a:t>
+            </a:r>
+          </a:p>
+          <a:p>
+            <a:endParaRPr lang="en-US" sz="1600" dirty="0"/>
           </a:p>
         </p:txBody>
       </p:sp>
@@ -12889,7 +13175,7 @@
     </p:custDataLst>
     <p:extLst>
       <p:ext uri="{BB962C8B-B14F-4D97-AF65-F5344CB8AC3E}">
-        <p14:creationId xmlns:p14="http://schemas.microsoft.com/office/powerpoint/2010/main" val="1892705052"/>
+        <p14:creationId xmlns:p14="http://schemas.microsoft.com/office/powerpoint/2010/main" val="319647579"/>
       </p:ext>
     </p:extLst>
   </p:cSld>
@@ -13052,7 +13338,7 @@
           <p:cNvPr id="3" name="Slide Number Placeholder 2">
             <a:extLst>
               <a:ext uri="{FF2B5EF4-FFF2-40B4-BE49-F238E27FC236}">
-                <a16:creationId xmlns:a16="http://schemas.microsoft.com/office/drawing/2014/main" xmlns="" id="{F0B2BB23-E535-4973-B5F1-D52B97DEF2A8}"/>
+                <a16:creationId xmlns="" xmlns:a16="http://schemas.microsoft.com/office/drawing/2014/main" id="{F0B2BB23-E535-4973-B5F1-D52B97DEF2A8}"/>
               </a:ext>
             </a:extLst>
           </p:cNvPr>
@@ -13222,7 +13508,7 @@
           <p:cNvPr id="3" name="Slide Number Placeholder 2">
             <a:extLst>
               <a:ext uri="{FF2B5EF4-FFF2-40B4-BE49-F238E27FC236}">
-                <a16:creationId xmlns:a16="http://schemas.microsoft.com/office/drawing/2014/main" xmlns="" id="{069D3E7F-59B7-4913-B806-82A30A510D2A}"/>
+                <a16:creationId xmlns="" xmlns:a16="http://schemas.microsoft.com/office/drawing/2014/main" id="{069D3E7F-59B7-4913-B806-82A30A510D2A}"/>
               </a:ext>
             </a:extLst>
           </p:cNvPr>
@@ -13285,7 +13571,7 @@
           <p:cNvPr id="2" name="Title 1">
             <a:extLst>
               <a:ext uri="{FF2B5EF4-FFF2-40B4-BE49-F238E27FC236}">
-                <a16:creationId xmlns:a16="http://schemas.microsoft.com/office/drawing/2014/main" xmlns="" id="{23B3B18C-0048-4EA1-BA55-F5EF1A5AF8E2}"/>
+                <a16:creationId xmlns="" xmlns:a16="http://schemas.microsoft.com/office/drawing/2014/main" id="{23B3B18C-0048-4EA1-BA55-F5EF1A5AF8E2}"/>
               </a:ext>
             </a:extLst>
           </p:cNvPr>
@@ -13313,7 +13599,7 @@
           <p:cNvPr id="3" name="Content Placeholder 2">
             <a:extLst>
               <a:ext uri="{FF2B5EF4-FFF2-40B4-BE49-F238E27FC236}">
-                <a16:creationId xmlns:a16="http://schemas.microsoft.com/office/drawing/2014/main" xmlns="" id="{3DCD0376-15C0-42FC-8853-33AE0E68EB9B}"/>
+                <a16:creationId xmlns="" xmlns:a16="http://schemas.microsoft.com/office/drawing/2014/main" id="{3DCD0376-15C0-42FC-8853-33AE0E68EB9B}"/>
               </a:ext>
             </a:extLst>
           </p:cNvPr>
@@ -13416,7 +13702,7 @@
           <p:cNvPr id="4" name="Slide Number Placeholder 3">
             <a:extLst>
               <a:ext uri="{FF2B5EF4-FFF2-40B4-BE49-F238E27FC236}">
-                <a16:creationId xmlns:a16="http://schemas.microsoft.com/office/drawing/2014/main" xmlns="" id="{FB4AB707-D599-42D3-BD44-1D6250960441}"/>
+                <a16:creationId xmlns="" xmlns:a16="http://schemas.microsoft.com/office/drawing/2014/main" id="{FB4AB707-D599-42D3-BD44-1D6250960441}"/>
               </a:ext>
             </a:extLst>
           </p:cNvPr>
@@ -13484,7 +13770,7 @@
           <p:cNvPr id="2" name="Title 1">
             <a:extLst>
               <a:ext uri="{FF2B5EF4-FFF2-40B4-BE49-F238E27FC236}">
-                <a16:creationId xmlns:a16="http://schemas.microsoft.com/office/drawing/2014/main" xmlns="" id="{FDD48D43-7DA4-458C-8AB8-5A85F55D9E78}"/>
+                <a16:creationId xmlns="" xmlns:a16="http://schemas.microsoft.com/office/drawing/2014/main" id="{FDD48D43-7DA4-458C-8AB8-5A85F55D9E78}"/>
               </a:ext>
             </a:extLst>
           </p:cNvPr>
@@ -13512,7 +13798,7 @@
           <p:cNvPr id="3" name="Content Placeholder 2">
             <a:extLst>
               <a:ext uri="{FF2B5EF4-FFF2-40B4-BE49-F238E27FC236}">
-                <a16:creationId xmlns:a16="http://schemas.microsoft.com/office/drawing/2014/main" xmlns="" id="{2DA7926C-7101-4473-9AE2-7224D1F3B63C}"/>
+                <a16:creationId xmlns="" xmlns:a16="http://schemas.microsoft.com/office/drawing/2014/main" id="{2DA7926C-7101-4473-9AE2-7224D1F3B63C}"/>
               </a:ext>
             </a:extLst>
           </p:cNvPr>
@@ -13664,7 +13950,7 @@
           <p:cNvPr id="4" name="Slide Number Placeholder 3">
             <a:extLst>
               <a:ext uri="{FF2B5EF4-FFF2-40B4-BE49-F238E27FC236}">
-                <a16:creationId xmlns:a16="http://schemas.microsoft.com/office/drawing/2014/main" xmlns="" id="{A8E0D9A9-8E9A-4182-8D1A-8CD22D4434EB}"/>
+                <a16:creationId xmlns="" xmlns:a16="http://schemas.microsoft.com/office/drawing/2014/main" id="{A8E0D9A9-8E9A-4182-8D1A-8CD22D4434EB}"/>
               </a:ext>
             </a:extLst>
           </p:cNvPr>
@@ -13732,7 +14018,7 @@
           <p:cNvPr id="2" name="Title 1">
             <a:extLst>
               <a:ext uri="{FF2B5EF4-FFF2-40B4-BE49-F238E27FC236}">
-                <a16:creationId xmlns:a16="http://schemas.microsoft.com/office/drawing/2014/main" xmlns="" id="{BC83EC9F-0642-4B21-8775-C819293B85F0}"/>
+                <a16:creationId xmlns="" xmlns:a16="http://schemas.microsoft.com/office/drawing/2014/main" id="{BC83EC9F-0642-4B21-8775-C819293B85F0}"/>
               </a:ext>
             </a:extLst>
           </p:cNvPr>
@@ -13760,7 +14046,7 @@
           <p:cNvPr id="3" name="Content Placeholder 2">
             <a:extLst>
               <a:ext uri="{FF2B5EF4-FFF2-40B4-BE49-F238E27FC236}">
-                <a16:creationId xmlns:a16="http://schemas.microsoft.com/office/drawing/2014/main" xmlns="" id="{C11E0125-1462-42CA-B9EA-E119F0B50DAC}"/>
+                <a16:creationId xmlns="" xmlns:a16="http://schemas.microsoft.com/office/drawing/2014/main" id="{C11E0125-1462-42CA-B9EA-E119F0B50DAC}"/>
               </a:ext>
             </a:extLst>
           </p:cNvPr>
@@ -13911,7 +14197,7 @@
           <p:cNvPr id="4" name="Slide Number Placeholder 3">
             <a:extLst>
               <a:ext uri="{FF2B5EF4-FFF2-40B4-BE49-F238E27FC236}">
-                <a16:creationId xmlns:a16="http://schemas.microsoft.com/office/drawing/2014/main" xmlns="" id="{544AB783-5790-45D0-B75E-4267EB62169A}"/>
+                <a16:creationId xmlns="" xmlns:a16="http://schemas.microsoft.com/office/drawing/2014/main" id="{544AB783-5790-45D0-B75E-4267EB62169A}"/>
               </a:ext>
             </a:extLst>
           </p:cNvPr>
@@ -14282,6 +14568,13 @@
 <file path=ppt/tags/tag57.xml><?xml version="1.0" encoding="utf-8"?>
 <p:tagLst xmlns:a="http://schemas.openxmlformats.org/drawingml/2006/main" xmlns:r="http://schemas.openxmlformats.org/officeDocument/2006/relationships" xmlns:p="http://schemas.openxmlformats.org/presentationml/2006/main">
   <p:tag name="AUDIO_ID" val="333"/>
+  <p:tag name="ARTICULATE_NAV_LEVEL" val="1"/>
+  <p:tag name="ARTICULATE_TOC_EXPANDED" val="True"/>
+  <p:tag name="ARTICULATE_SLIDE_PRESENTER_GUID" val="b6afec6b-4ad9-49aa-931c-79381ce9333b"/>
+  <p:tag name="ARTICULATE_SLIDE_PAUSE" val="0"/>
+  <p:tag name="ARTICULATE_HIDE_SLIDE" val="0"/>
+  <p:tag name="ARTICULATE_PLAYER_CONTROL_PREVIOUS" val="True"/>
+  <p:tag name="ARTICULATE_PLAYER_CONTROL_NEXT" val="True"/>
   <p:tag name="ARTICULATE_USED_LAYOUT" val="9"/>
   <p:tag name="ARTICULATE_SLIDE_THUMBNAIL_REFRESH" val="1"/>
 </p:tagLst>
